--- a/Building-time-locked-contract.pptx
+++ b/Building-time-locked-contract.pptx
@@ -5,7 +5,7 @@
     <p:sldMasterId id="2147483768" r:id="rId4"/>
   </p:sldMasterIdLst>
   <p:notesMasterIdLst>
-    <p:notesMasterId r:id="rId22"/>
+    <p:notesMasterId r:id="rId25"/>
   </p:notesMasterIdLst>
   <p:sldIdLst>
     <p:sldId id="3825" r:id="rId5"/>
@@ -18,13 +18,16 @@
     <p:sldId id="3860" r:id="rId12"/>
     <p:sldId id="3859" r:id="rId13"/>
     <p:sldId id="3842" r:id="rId14"/>
-    <p:sldId id="3851" r:id="rId15"/>
-    <p:sldId id="302" r:id="rId16"/>
-    <p:sldId id="3861" r:id="rId17"/>
-    <p:sldId id="3855" r:id="rId18"/>
-    <p:sldId id="3856" r:id="rId19"/>
-    <p:sldId id="3857" r:id="rId20"/>
-    <p:sldId id="3858" r:id="rId21"/>
+    <p:sldId id="3863" r:id="rId15"/>
+    <p:sldId id="3864" r:id="rId16"/>
+    <p:sldId id="3851" r:id="rId17"/>
+    <p:sldId id="3862" r:id="rId18"/>
+    <p:sldId id="302" r:id="rId19"/>
+    <p:sldId id="3861" r:id="rId20"/>
+    <p:sldId id="3855" r:id="rId21"/>
+    <p:sldId id="3856" r:id="rId22"/>
+    <p:sldId id="3857" r:id="rId23"/>
+    <p:sldId id="3858" r:id="rId24"/>
   </p:sldIdLst>
   <p:sldSz cx="12192000" cy="6858000"/>
   <p:notesSz cx="6858000" cy="9144000"/>
@@ -2857,7 +2860,7 @@
           <a:p>
             <a:fld id="{6C7BA811-8917-4F1D-B22F-E96045BFA4E0}" type="datetimeFigureOut">
               <a:rPr lang="en-US" smtClean="0"/>
-              <a:t>12/8/2023</a:t>
+              <a:t>11/29/2024</a:t>
             </a:fld>
             <a:endParaRPr lang="en-US" dirty="0"/>
           </a:p>
@@ -16292,7 +16295,7 @@
           <p:cNvPr id="2" name="Title 1">
             <a:extLst>
               <a:ext uri="{FF2B5EF4-FFF2-40B4-BE49-F238E27FC236}">
-                <a16:creationId xmlns:a16="http://schemas.microsoft.com/office/drawing/2014/main" id="{77FAB688-795B-11E4-A8DB-0F168A197B02}"/>
+                <a16:creationId xmlns:a16="http://schemas.microsoft.com/office/drawing/2014/main" id="{02F090D8-D5FA-2EE1-4F58-84BD809A79E9}"/>
               </a:ext>
             </a:extLst>
           </p:cNvPr>
@@ -16309,22 +16312,339 @@
           <a:lstStyle/>
           <a:p>
             <a:r>
-              <a:rPr lang="en-US"/>
-              <a:t>STX </a:t>
+              <a:rPr lang="en-US" dirty="0">
+                <a:solidFill>
+                  <a:srgbClr val="0070C0"/>
+                </a:solidFill>
+              </a:rPr>
+              <a:t>Fold</a:t>
             </a:r>
             <a:r>
               <a:rPr lang="en-US" dirty="0"/>
-              <a:t>transfers</a:t>
-            </a:r>
-          </a:p>
-        </p:txBody>
-      </p:sp>
-      <p:sp>
-        <p:nvSpPr>
-          <p:cNvPr id="3" name="Date Placeholder 2">
-            <a:extLst>
-              <a:ext uri="{FF2B5EF4-FFF2-40B4-BE49-F238E27FC236}">
-                <a16:creationId xmlns:a16="http://schemas.microsoft.com/office/drawing/2014/main" id="{E5A91808-2A3E-318E-0E1B-410F1CAAAA95}"/>
+              <a:t>, map, filter</a:t>
+            </a:r>
+          </a:p>
+        </p:txBody>
+      </p:sp>
+      <p:sp>
+        <p:nvSpPr>
+          <p:cNvPr id="3" name="Content Placeholder 2">
+            <a:extLst>
+              <a:ext uri="{FF2B5EF4-FFF2-40B4-BE49-F238E27FC236}">
+                <a16:creationId xmlns:a16="http://schemas.microsoft.com/office/drawing/2014/main" id="{1CC38780-41C7-2D9D-4B8A-07AAB3AAE3A6}"/>
+              </a:ext>
+            </a:extLst>
+          </p:cNvPr>
+          <p:cNvSpPr>
+            <a:spLocks noGrp="1"/>
+          </p:cNvSpPr>
+          <p:nvPr>
+            <p:ph idx="1"/>
+          </p:nvPr>
+        </p:nvSpPr>
+        <p:spPr/>
+        <p:txBody>
+          <a:bodyPr/>
+          <a:lstStyle/>
+          <a:p>
+            <a:pPr marL="0" indent="0">
+              <a:buNone/>
+            </a:pPr>
+            <a:endParaRPr lang="en-US" dirty="0"/>
+          </a:p>
+          <a:p>
+            <a:pPr marL="0" indent="0">
+              <a:lnSpc>
+                <a:spcPts val="1425"/>
+              </a:lnSpc>
+              <a:buNone/>
+            </a:pPr>
+            <a:r>
+              <a:rPr lang="en-US" b="0" dirty="0">
+                <a:solidFill>
+                  <a:srgbClr val="CCCCCC"/>
+                </a:solidFill>
+                <a:effectLst/>
+                <a:latin typeface="Consolas" panose="020B0609020204030204" pitchFamily="49" charset="0"/>
+              </a:rPr>
+              <a:t>(</a:t>
+            </a:r>
+            <a:r>
+              <a:rPr lang="en-US" b="0" dirty="0">
+                <a:solidFill>
+                  <a:srgbClr val="569CD6"/>
+                </a:solidFill>
+                <a:effectLst/>
+                <a:latin typeface="Consolas" panose="020B0609020204030204" pitchFamily="49" charset="0"/>
+              </a:rPr>
+              <a:t>define-public</a:t>
+            </a:r>
+            <a:r>
+              <a:rPr lang="en-US" b="0" dirty="0">
+                <a:solidFill>
+                  <a:srgbClr val="CCCCCC"/>
+                </a:solidFill>
+                <a:effectLst/>
+                <a:latin typeface="Consolas" panose="020B0609020204030204" pitchFamily="49" charset="0"/>
+              </a:rPr>
+              <a:t> (</a:t>
+            </a:r>
+            <a:r>
+              <a:rPr lang="en-US" b="0" dirty="0">
+                <a:solidFill>
+                  <a:srgbClr val="DCDCAA"/>
+                </a:solidFill>
+                <a:effectLst/>
+                <a:latin typeface="Consolas" panose="020B0609020204030204" pitchFamily="49" charset="0"/>
+              </a:rPr>
+              <a:t>sum-list</a:t>
+            </a:r>
+            <a:r>
+              <a:rPr lang="en-US" b="0" dirty="0">
+                <a:solidFill>
+                  <a:srgbClr val="CCCCCC"/>
+                </a:solidFill>
+                <a:effectLst/>
+                <a:latin typeface="Consolas" panose="020B0609020204030204" pitchFamily="49" charset="0"/>
+              </a:rPr>
+              <a:t> </a:t>
+            </a:r>
+          </a:p>
+          <a:p>
+            <a:pPr marL="0" indent="0">
+              <a:lnSpc>
+                <a:spcPts val="1425"/>
+              </a:lnSpc>
+              <a:buNone/>
+            </a:pPr>
+            <a:r>
+              <a:rPr lang="en-US" dirty="0">
+                <a:solidFill>
+                  <a:srgbClr val="CCCCCC"/>
+                </a:solidFill>
+                <a:latin typeface="Consolas" panose="020B0609020204030204" pitchFamily="49" charset="0"/>
+              </a:rPr>
+              <a:t>	</a:t>
+            </a:r>
+            <a:r>
+              <a:rPr lang="en-US" b="0" dirty="0">
+                <a:solidFill>
+                  <a:srgbClr val="CCCCCC"/>
+                </a:solidFill>
+                <a:effectLst/>
+                <a:latin typeface="Consolas" panose="020B0609020204030204" pitchFamily="49" charset="0"/>
+              </a:rPr>
+              <a:t>(</a:t>
+            </a:r>
+            <a:r>
+              <a:rPr lang="en-US" b="0" dirty="0">
+                <a:solidFill>
+                  <a:srgbClr val="9CDCFE"/>
+                </a:solidFill>
+                <a:effectLst/>
+                <a:latin typeface="Consolas" panose="020B0609020204030204" pitchFamily="49" charset="0"/>
+              </a:rPr>
+              <a:t>numbers</a:t>
+            </a:r>
+            <a:r>
+              <a:rPr lang="en-US" b="0" dirty="0">
+                <a:solidFill>
+                  <a:srgbClr val="CCCCCC"/>
+                </a:solidFill>
+                <a:effectLst/>
+                <a:latin typeface="Consolas" panose="020B0609020204030204" pitchFamily="49" charset="0"/>
+              </a:rPr>
+              <a:t> (</a:t>
+            </a:r>
+            <a:r>
+              <a:rPr lang="en-US" b="0" dirty="0">
+                <a:solidFill>
+                  <a:srgbClr val="4EC9B0"/>
+                </a:solidFill>
+                <a:effectLst/>
+                <a:latin typeface="Consolas" panose="020B0609020204030204" pitchFamily="49" charset="0"/>
+              </a:rPr>
+              <a:t>list</a:t>
+            </a:r>
+            <a:r>
+              <a:rPr lang="en-US" b="0" dirty="0">
+                <a:solidFill>
+                  <a:srgbClr val="CCCCCC"/>
+                </a:solidFill>
+                <a:effectLst/>
+                <a:latin typeface="Consolas" panose="020B0609020204030204" pitchFamily="49" charset="0"/>
+              </a:rPr>
+              <a:t> </a:t>
+            </a:r>
+            <a:r>
+              <a:rPr lang="en-US" b="0" dirty="0">
+                <a:solidFill>
+                  <a:srgbClr val="B5CEA8"/>
+                </a:solidFill>
+                <a:effectLst/>
+                <a:latin typeface="Consolas" panose="020B0609020204030204" pitchFamily="49" charset="0"/>
+              </a:rPr>
+              <a:t>10</a:t>
+            </a:r>
+            <a:r>
+              <a:rPr lang="en-US" b="0" dirty="0">
+                <a:solidFill>
+                  <a:srgbClr val="CCCCCC"/>
+                </a:solidFill>
+                <a:effectLst/>
+                <a:latin typeface="Consolas" panose="020B0609020204030204" pitchFamily="49" charset="0"/>
+              </a:rPr>
+              <a:t> </a:t>
+            </a:r>
+            <a:r>
+              <a:rPr lang="en-US" b="0" dirty="0" err="1">
+                <a:solidFill>
+                  <a:srgbClr val="4EC9B0"/>
+                </a:solidFill>
+                <a:effectLst/>
+                <a:latin typeface="Consolas" panose="020B0609020204030204" pitchFamily="49" charset="0"/>
+              </a:rPr>
+              <a:t>uint</a:t>
+            </a:r>
+            <a:r>
+              <a:rPr lang="en-US" b="0" dirty="0">
+                <a:solidFill>
+                  <a:srgbClr val="CCCCCC"/>
+                </a:solidFill>
+                <a:effectLst/>
+                <a:latin typeface="Consolas" panose="020B0609020204030204" pitchFamily="49" charset="0"/>
+              </a:rPr>
+              <a:t>)))</a:t>
+            </a:r>
+          </a:p>
+          <a:p>
+            <a:pPr marL="0" indent="0">
+              <a:lnSpc>
+                <a:spcPts val="1425"/>
+              </a:lnSpc>
+              <a:buNone/>
+            </a:pPr>
+            <a:r>
+              <a:rPr lang="en-US" b="0" dirty="0">
+                <a:solidFill>
+                  <a:srgbClr val="CCCCCC"/>
+                </a:solidFill>
+                <a:effectLst/>
+                <a:latin typeface="Consolas" panose="020B0609020204030204" pitchFamily="49" charset="0"/>
+              </a:rPr>
+              <a:t>  </a:t>
+            </a:r>
+          </a:p>
+          <a:p>
+            <a:pPr marL="0" indent="0">
+              <a:lnSpc>
+                <a:spcPts val="1425"/>
+              </a:lnSpc>
+              <a:buNone/>
+            </a:pPr>
+            <a:r>
+              <a:rPr lang="en-US" dirty="0">
+                <a:solidFill>
+                  <a:srgbClr val="CCCCCC"/>
+                </a:solidFill>
+                <a:latin typeface="Consolas" panose="020B0609020204030204" pitchFamily="49" charset="0"/>
+              </a:rPr>
+              <a:t>		</a:t>
+            </a:r>
+            <a:r>
+              <a:rPr lang="en-US" b="0" dirty="0">
+                <a:solidFill>
+                  <a:srgbClr val="CCCCCC"/>
+                </a:solidFill>
+                <a:effectLst/>
+                <a:latin typeface="Consolas" panose="020B0609020204030204" pitchFamily="49" charset="0"/>
+              </a:rPr>
+              <a:t>(</a:t>
+            </a:r>
+            <a:r>
+              <a:rPr lang="en-US" b="0" dirty="0">
+                <a:solidFill>
+                  <a:srgbClr val="569CD6"/>
+                </a:solidFill>
+                <a:effectLst/>
+                <a:latin typeface="Consolas" panose="020B0609020204030204" pitchFamily="49" charset="0"/>
+              </a:rPr>
+              <a:t>ok</a:t>
+            </a:r>
+            <a:r>
+              <a:rPr lang="en-US" b="0" dirty="0">
+                <a:solidFill>
+                  <a:srgbClr val="CCCCCC"/>
+                </a:solidFill>
+                <a:effectLst/>
+                <a:latin typeface="Consolas" panose="020B0609020204030204" pitchFamily="49" charset="0"/>
+              </a:rPr>
+              <a:t> (</a:t>
+            </a:r>
+            <a:r>
+              <a:rPr lang="en-US" b="0" dirty="0">
+                <a:solidFill>
+                  <a:srgbClr val="569CD6"/>
+                </a:solidFill>
+                <a:effectLst/>
+                <a:latin typeface="Consolas" panose="020B0609020204030204" pitchFamily="49" charset="0"/>
+              </a:rPr>
+              <a:t>fold</a:t>
+            </a:r>
+            <a:r>
+              <a:rPr lang="en-US" b="0" dirty="0">
+                <a:solidFill>
+                  <a:srgbClr val="CCCCCC"/>
+                </a:solidFill>
+                <a:effectLst/>
+                <a:latin typeface="Consolas" panose="020B0609020204030204" pitchFamily="49" charset="0"/>
+              </a:rPr>
+              <a:t> add-numbers  numbers </a:t>
+            </a:r>
+            <a:r>
+              <a:rPr lang="en-US" b="0" dirty="0">
+                <a:solidFill>
+                  <a:srgbClr val="B5CEA8"/>
+                </a:solidFill>
+                <a:effectLst/>
+                <a:latin typeface="Consolas" panose="020B0609020204030204" pitchFamily="49" charset="0"/>
+              </a:rPr>
+              <a:t>u0</a:t>
+            </a:r>
+            <a:r>
+              <a:rPr lang="en-US" b="0" dirty="0">
+                <a:solidFill>
+                  <a:srgbClr val="CCCCCC"/>
+                </a:solidFill>
+                <a:effectLst/>
+                <a:latin typeface="Consolas" panose="020B0609020204030204" pitchFamily="49" charset="0"/>
+              </a:rPr>
+              <a:t>)))</a:t>
+            </a:r>
+          </a:p>
+          <a:p>
+            <a:pPr marL="0" indent="0">
+              <a:buNone/>
+            </a:pPr>
+            <a:endParaRPr lang="en-US" dirty="0"/>
+          </a:p>
+          <a:p>
+            <a:pPr marL="0" indent="0">
+              <a:buNone/>
+            </a:pPr>
+            <a:r>
+              <a:rPr lang="en-US" dirty="0"/>
+              <a:t>(contract-call? .c1 sum-list (list u1 u2 u3))</a:t>
+            </a:r>
+          </a:p>
+        </p:txBody>
+      </p:sp>
+      <p:sp>
+        <p:nvSpPr>
+          <p:cNvPr id="4" name="Date Placeholder 3">
+            <a:extLst>
+              <a:ext uri="{FF2B5EF4-FFF2-40B4-BE49-F238E27FC236}">
+                <a16:creationId xmlns:a16="http://schemas.microsoft.com/office/drawing/2014/main" id="{15547706-9D3C-A1AA-30FB-3B30C4CC105E}"/>
               </a:ext>
             </a:extLst>
           </p:cNvPr>
@@ -16365,10 +16685,10 @@
       </p:sp>
       <p:sp>
         <p:nvSpPr>
-          <p:cNvPr id="4" name="Footer Placeholder 3">
-            <a:extLst>
-              <a:ext uri="{FF2B5EF4-FFF2-40B4-BE49-F238E27FC236}">
-                <a16:creationId xmlns:a16="http://schemas.microsoft.com/office/drawing/2014/main" id="{DB1E741E-A600-81D7-A200-510527361A02}"/>
+          <p:cNvPr id="5" name="Footer Placeholder 4">
+            <a:extLst>
+              <a:ext uri="{FF2B5EF4-FFF2-40B4-BE49-F238E27FC236}">
+                <a16:creationId xmlns:a16="http://schemas.microsoft.com/office/drawing/2014/main" id="{1EB3E15F-0C58-E715-06E7-D6E15FB858A5}"/>
               </a:ext>
             </a:extLst>
           </p:cNvPr>
@@ -16409,10 +16729,10 @@
       </p:sp>
       <p:sp>
         <p:nvSpPr>
-          <p:cNvPr id="5" name="Slide Number Placeholder 4">
-            <a:extLst>
-              <a:ext uri="{FF2B5EF4-FFF2-40B4-BE49-F238E27FC236}">
-                <a16:creationId xmlns:a16="http://schemas.microsoft.com/office/drawing/2014/main" id="{B695DE50-5ADC-30CE-477C-A2DC83EF3C87}"/>
+          <p:cNvPr id="6" name="Slide Number Placeholder 5">
+            <a:extLst>
+              <a:ext uri="{FF2B5EF4-FFF2-40B4-BE49-F238E27FC236}">
+                <a16:creationId xmlns:a16="http://schemas.microsoft.com/office/drawing/2014/main" id="{84C55E89-F75A-DFC5-87D9-4539EEDD5DB6}"/>
               </a:ext>
             </a:extLst>
           </p:cNvPr>
@@ -16454,133 +16774,10 @@
           </a:p>
         </p:txBody>
       </p:sp>
-      <p:sp>
-        <p:nvSpPr>
-          <p:cNvPr id="6" name="Content Placeholder 5">
-            <a:extLst>
-              <a:ext uri="{FF2B5EF4-FFF2-40B4-BE49-F238E27FC236}">
-                <a16:creationId xmlns:a16="http://schemas.microsoft.com/office/drawing/2014/main" id="{D9BBE092-D3A9-3540-936A-1D0BE9C357A3}"/>
-              </a:ext>
-            </a:extLst>
-          </p:cNvPr>
-          <p:cNvSpPr>
-            <a:spLocks noGrp="1"/>
-          </p:cNvSpPr>
-          <p:nvPr>
-            <p:ph idx="1"/>
-          </p:nvPr>
-        </p:nvSpPr>
-        <p:spPr/>
-        <p:txBody>
-          <a:bodyPr>
-            <a:normAutofit fontScale="92500"/>
-          </a:bodyPr>
-          <a:lstStyle/>
-          <a:p>
-            <a:pPr marL="0" indent="0">
-              <a:buNone/>
-            </a:pPr>
-            <a:r>
-              <a:rPr lang="en-US" dirty="0">
-                <a:hlinkClick r:id="rId2"/>
-              </a:rPr>
-              <a:t>https://github.com/clarity-lang/reference/blob/master/reference.md</a:t>
-            </a:r>
-            <a:r>
-              <a:rPr lang="en-US" dirty="0"/>
-              <a:t> </a:t>
-            </a:r>
-          </a:p>
-          <a:p>
-            <a:pPr marL="0" indent="0">
-              <a:buNone/>
-            </a:pPr>
-            <a:endParaRPr lang="en-US" dirty="0"/>
-          </a:p>
-          <a:p>
-            <a:pPr marL="0" indent="0">
-              <a:buNone/>
-            </a:pPr>
-            <a:r>
-              <a:rPr lang="en-US" dirty="0"/>
-              <a:t>(define-public (transfer-if-even </a:t>
-            </a:r>
-          </a:p>
-          <a:p>
-            <a:pPr marL="0" indent="0">
-              <a:buNone/>
-            </a:pPr>
-            <a:r>
-              <a:rPr lang="en-US" dirty="0"/>
-              <a:t>                               (recipient principal) </a:t>
-            </a:r>
-          </a:p>
-          <a:p>
-            <a:pPr marL="0" indent="0">
-              <a:buNone/>
-            </a:pPr>
-            <a:r>
-              <a:rPr lang="en-US" dirty="0"/>
-              <a:t>                              (amount </a:t>
-            </a:r>
-            <a:r>
-              <a:rPr lang="en-US" dirty="0" err="1"/>
-              <a:t>uint</a:t>
-            </a:r>
-            <a:r>
-              <a:rPr lang="en-US" dirty="0"/>
-              <a:t>))</a:t>
-            </a:r>
-          </a:p>
-          <a:p>
-            <a:pPr marL="0" indent="0">
-              <a:buNone/>
-            </a:pPr>
-            <a:r>
-              <a:rPr lang="en-US" dirty="0"/>
-              <a:t>  (if (is-eq (mod amount 2) 0)</a:t>
-            </a:r>
-          </a:p>
-          <a:p>
-            <a:pPr marL="0" indent="0">
-              <a:buNone/>
-            </a:pPr>
-            <a:r>
-              <a:rPr lang="en-US" dirty="0"/>
-              <a:t>      (</a:t>
-            </a:r>
-            <a:r>
-              <a:rPr lang="en-US" dirty="0" err="1"/>
-              <a:t>stx</a:t>
-            </a:r>
-            <a:r>
-              <a:rPr lang="en-US" dirty="0"/>
-              <a:t>-transfer? amount  </a:t>
-            </a:r>
-            <a:r>
-              <a:rPr lang="en-US" dirty="0" err="1"/>
-              <a:t>tx</a:t>
-            </a:r>
-            <a:r>
-              <a:rPr lang="en-US" dirty="0"/>
-              <a:t>-sender  recipient)</a:t>
-            </a:r>
-          </a:p>
-          <a:p>
-            <a:pPr marL="0" indent="0">
-              <a:buNone/>
-            </a:pPr>
-            <a:r>
-              <a:rPr lang="en-US" dirty="0"/>
-              <a:t>      (err u400)))</a:t>
-            </a:r>
-          </a:p>
-        </p:txBody>
-      </p:sp>
     </p:spTree>
     <p:extLst>
       <p:ext uri="{BB962C8B-B14F-4D97-AF65-F5344CB8AC3E}">
-        <p14:creationId xmlns:p14="http://schemas.microsoft.com/office/powerpoint/2010/main" val="4282915683"/>
+        <p14:creationId xmlns:p14="http://schemas.microsoft.com/office/powerpoint/2010/main" val="2233645129"/>
       </p:ext>
     </p:extLst>
   </p:cSld>
@@ -16595,7 +16792,13 @@
   <p:cSld>
     <p:spTree>
       <p:nvGrpSpPr>
-        <p:cNvPr id="1" name=""/>
+        <p:cNvPr id="1" name="">
+          <a:extLst>
+            <a:ext uri="{FF2B5EF4-FFF2-40B4-BE49-F238E27FC236}">
+              <a16:creationId xmlns:a16="http://schemas.microsoft.com/office/drawing/2014/main" id="{1446C3C6-3F5B-CE4E-0B7E-51E1E165FC6D}"/>
+            </a:ext>
+          </a:extLst>
+        </p:cNvPr>
         <p:cNvGrpSpPr/>
         <p:nvPr/>
       </p:nvGrpSpPr>
@@ -16612,7 +16815,7 @@
           <p:cNvPr id="2" name="Title 1">
             <a:extLst>
               <a:ext uri="{FF2B5EF4-FFF2-40B4-BE49-F238E27FC236}">
-                <a16:creationId xmlns:a16="http://schemas.microsoft.com/office/drawing/2014/main" id="{72913B4B-E2D0-D7DE-C70B-BC1B784BA77D}"/>
+                <a16:creationId xmlns:a16="http://schemas.microsoft.com/office/drawing/2014/main" id="{2A7DA5BF-AF36-814F-4AA7-DE6CBD0A6679}"/>
               </a:ext>
             </a:extLst>
           </p:cNvPr>
@@ -16629,12 +16832,17 @@
           <a:lstStyle/>
           <a:p>
             <a:r>
-              <a:rPr lang="en-US" sz="3267" dirty="0">
-                <a:cs typeface="Calibri Light"/>
+              <a:rPr lang="en-US" dirty="0"/>
+              <a:t>Fold, map, </a:t>
+            </a:r>
+            <a:r>
+              <a:rPr lang="en-US" dirty="0">
+                <a:solidFill>
+                  <a:srgbClr val="0070C0"/>
+                </a:solidFill>
               </a:rPr>
-              <a:t>Clarity maps</a:t>
-            </a:r>
-            <a:endParaRPr lang="en-US" dirty="0"/>
+              <a:t>filter</a:t>
+            </a:r>
           </a:p>
         </p:txBody>
       </p:sp>
@@ -16643,7 +16851,7 @@
           <p:cNvPr id="3" name="Content Placeholder 2">
             <a:extLst>
               <a:ext uri="{FF2B5EF4-FFF2-40B4-BE49-F238E27FC236}">
-                <a16:creationId xmlns:a16="http://schemas.microsoft.com/office/drawing/2014/main" id="{D02B708F-33B4-1067-DA5F-B19B5B810EE2}"/>
+                <a16:creationId xmlns:a16="http://schemas.microsoft.com/office/drawing/2014/main" id="{15C18BA3-D6D0-3CE5-83FD-C7912C8405E0}"/>
               </a:ext>
             </a:extLst>
           </p:cNvPr>
@@ -16656,173 +16864,193 @@
         </p:nvSpPr>
         <p:spPr/>
         <p:txBody>
-          <a:bodyPr vert="horz" lIns="121920" tIns="60960" rIns="121920" bIns="60960" rtlCol="0" anchor="t">
-            <a:normAutofit/>
-          </a:bodyPr>
+          <a:bodyPr/>
           <a:lstStyle/>
-          <a:p>
-            <a:pPr marL="171022" indent="-171022">
-              <a:buNone/>
-            </a:pPr>
-            <a:r>
-              <a:rPr lang="en-US" sz="2067" dirty="0">
-                <a:ea typeface="+mn-lt"/>
-                <a:cs typeface="+mn-lt"/>
-              </a:rPr>
-              <a:t>;; constants</a:t>
-            </a:r>
-            <a:endParaRPr lang="en-US" dirty="0">
-              <a:cs typeface="Calibri" panose="020F0502020204030204"/>
-            </a:endParaRPr>
-          </a:p>
-          <a:p>
-            <a:pPr marL="171022" indent="-171022">
-              <a:buNone/>
-            </a:pPr>
-            <a:r>
-              <a:rPr lang="en-US" sz="2067" dirty="0">
-                <a:ea typeface="+mn-lt"/>
-                <a:cs typeface="+mn-lt"/>
-              </a:rPr>
-              <a:t>;;</a:t>
-            </a:r>
-            <a:endParaRPr lang="en-US" dirty="0">
-              <a:cs typeface="Calibri" panose="020F0502020204030204"/>
-            </a:endParaRPr>
-          </a:p>
-          <a:p>
-            <a:pPr marL="171022" indent="-171022">
-              <a:buNone/>
-            </a:pPr>
-            <a:r>
-              <a:rPr lang="en-US" sz="2067" dirty="0">
-                <a:ea typeface="+mn-lt"/>
-                <a:cs typeface="+mn-lt"/>
-              </a:rPr>
-              <a:t>(define-constant contract-owner </a:t>
-            </a:r>
-            <a:r>
-              <a:rPr lang="en-US" sz="2067" dirty="0" err="1">
-                <a:ea typeface="+mn-lt"/>
-                <a:cs typeface="+mn-lt"/>
-              </a:rPr>
-              <a:t>tx</a:t>
-            </a:r>
-            <a:r>
-              <a:rPr lang="en-US" sz="2067" dirty="0">
-                <a:ea typeface="+mn-lt"/>
-                <a:cs typeface="+mn-lt"/>
-              </a:rPr>
-              <a:t>-sender)</a:t>
-            </a:r>
-            <a:endParaRPr lang="en-US" dirty="0">
-              <a:cs typeface="Calibri" panose="020F0502020204030204"/>
-            </a:endParaRPr>
-          </a:p>
           <a:p>
             <a:pPr marL="0" indent="0">
               <a:buNone/>
             </a:pPr>
-            <a:r>
-              <a:rPr lang="en-US" sz="2067" dirty="0">
-                <a:ea typeface="+mn-lt"/>
-                <a:cs typeface="+mn-lt"/>
+            <a:endParaRPr lang="en-US" dirty="0"/>
+          </a:p>
+          <a:p>
+            <a:pPr marL="0" indent="0">
+              <a:lnSpc>
+                <a:spcPts val="1425"/>
+              </a:lnSpc>
+              <a:buNone/>
+            </a:pPr>
+            <a:r>
+              <a:rPr lang="nl-NL" b="0" dirty="0">
+                <a:solidFill>
+                  <a:srgbClr val="CCCCCC"/>
+                </a:solidFill>
+                <a:effectLst/>
+                <a:latin typeface="Consolas" panose="020B0609020204030204" pitchFamily="49" charset="0"/>
               </a:rPr>
-              <a:t>(define-constant err-invalid-caller (err u1))</a:t>
+              <a:t>(define-private (is-even (num uint))</a:t>
+            </a:r>
+          </a:p>
+          <a:p>
+            <a:pPr marL="0" indent="0">
+              <a:lnSpc>
+                <a:spcPts val="1425"/>
+              </a:lnSpc>
+              <a:buNone/>
+            </a:pPr>
+            <a:r>
+              <a:rPr lang="nl-NL" b="0" dirty="0">
+                <a:solidFill>
+                  <a:srgbClr val="CCCCCC"/>
+                </a:solidFill>
+                <a:effectLst/>
+                <a:latin typeface="Consolas" panose="020B0609020204030204" pitchFamily="49" charset="0"/>
+              </a:rPr>
+              <a:t>  (is-eq (mod num u2) u0))</a:t>
             </a:r>
           </a:p>
           <a:p>
             <a:pPr marL="0" indent="0">
               <a:buNone/>
             </a:pPr>
-            <a:endParaRPr lang="en-US" sz="2067" dirty="0">
-              <a:cs typeface="Calibri"/>
-            </a:endParaRPr>
-          </a:p>
-          <a:p>
-            <a:pPr marL="171022" indent="-171022">
-              <a:buNone/>
-            </a:pPr>
-            <a:r>
-              <a:rPr lang="en-US" sz="2067" dirty="0">
-                <a:ea typeface="+mn-lt"/>
-                <a:cs typeface="+mn-lt"/>
-              </a:rPr>
-              <a:t>;; data maps</a:t>
-            </a:r>
-            <a:endParaRPr lang="en-US" dirty="0">
-              <a:cs typeface="Calibri" panose="020F0502020204030204"/>
-            </a:endParaRPr>
-          </a:p>
-          <a:p>
-            <a:pPr marL="171022" indent="-171022">
-              <a:buNone/>
-            </a:pPr>
-            <a:r>
-              <a:rPr lang="en-US" sz="2067" dirty="0">
-                <a:ea typeface="+mn-lt"/>
-                <a:cs typeface="+mn-lt"/>
-              </a:rPr>
-              <a:t>;;</a:t>
-            </a:r>
-            <a:endParaRPr lang="en-US" dirty="0">
-              <a:cs typeface="Calibri" panose="020F0502020204030204"/>
-            </a:endParaRPr>
+            <a:endParaRPr lang="en-US" dirty="0"/>
           </a:p>
           <a:p>
             <a:pPr marL="0" indent="0">
               <a:buNone/>
             </a:pPr>
             <a:r>
-              <a:rPr lang="en-US" sz="2067" dirty="0">
-                <a:ea typeface="+mn-lt"/>
-                <a:cs typeface="+mn-lt"/>
-              </a:rPr>
-              <a:t>(define-map recipients principal </a:t>
-            </a:r>
-            <a:r>
-              <a:rPr lang="en-US" sz="2067" dirty="0" err="1">
-                <a:ea typeface="+mn-lt"/>
-                <a:cs typeface="+mn-lt"/>
-              </a:rPr>
+              <a:rPr lang="en-US" dirty="0"/>
+              <a:t>(define-public (filter-even-numbers (numbers (list 10 </a:t>
+            </a:r>
+            <a:r>
+              <a:rPr lang="en-US" dirty="0" err="1"/>
               <a:t>uint</a:t>
             </a:r>
             <a:r>
-              <a:rPr lang="en-US" sz="2067" dirty="0">
-                <a:ea typeface="+mn-lt"/>
-                <a:cs typeface="+mn-lt"/>
-              </a:rPr>
-              <a:t>)</a:t>
-            </a:r>
-            <a:endParaRPr lang="en-US" dirty="0">
-              <a:ea typeface="+mn-lt"/>
-              <a:cs typeface="+mn-lt"/>
-            </a:endParaRPr>
+              <a:rPr lang="en-US" dirty="0"/>
+              <a:t>)))</a:t>
+            </a:r>
           </a:p>
           <a:p>
             <a:pPr marL="0" indent="0">
               <a:buNone/>
             </a:pPr>
-            <a:endParaRPr lang="en-US" sz="2067" dirty="0">
-              <a:cs typeface="Calibri"/>
-            </a:endParaRPr>
+            <a:r>
+              <a:rPr lang="en-US" dirty="0"/>
+              <a:t> 	 (ok (filter is-even numbers)))</a:t>
+            </a:r>
           </a:p>
           <a:p>
             <a:pPr marL="0" indent="0">
               <a:buNone/>
             </a:pPr>
-            <a:endParaRPr lang="en-US" sz="2067" dirty="0">
-              <a:cs typeface="Calibri"/>
+            <a:endParaRPr lang="en-US" dirty="0"/>
+          </a:p>
+          <a:p>
+            <a:pPr marL="0" indent="0">
+              <a:buNone/>
+            </a:pPr>
+            <a:r>
+              <a:rPr lang="en-US" dirty="0"/>
+              <a:t>(contract-call? .c1 filter-even-numbers (list u1 u2 u3 u4 u5))</a:t>
+            </a:r>
+          </a:p>
+        </p:txBody>
+      </p:sp>
+      <p:sp>
+        <p:nvSpPr>
+          <p:cNvPr id="4" name="Date Placeholder 3">
+            <a:extLst>
+              <a:ext uri="{FF2B5EF4-FFF2-40B4-BE49-F238E27FC236}">
+                <a16:creationId xmlns:a16="http://schemas.microsoft.com/office/drawing/2014/main" id="{15BD7428-65CF-353B-6B78-74504AD1A87B}"/>
+              </a:ext>
+            </a:extLst>
+          </p:cNvPr>
+          <p:cNvSpPr>
+            <a:spLocks noGrp="1"/>
+          </p:cNvSpPr>
+          <p:nvPr>
+            <p:ph type="dt" sz="half" idx="10"/>
+          </p:nvPr>
+        </p:nvSpPr>
+        <p:spPr/>
+        <p:txBody>
+          <a:bodyPr/>
+          <a:lstStyle/>
+          <a:p>
+            <a:pPr>
+              <a:defRPr/>
+            </a:pPr>
+            <a:r>
+              <a:rPr lang="en-US">
+                <a:solidFill>
+                  <a:prstClr val="black">
+                    <a:tint val="75000"/>
+                  </a:prstClr>
+                </a:solidFill>
+              </a:rPr>
+              <a:t>9/3/20XX</a:t>
+            </a:r>
+            <a:endParaRPr lang="en-US" dirty="0">
+              <a:solidFill>
+                <a:prstClr val="black">
+                  <a:tint val="75000"/>
+                </a:prstClr>
+              </a:solidFill>
             </a:endParaRPr>
           </a:p>
         </p:txBody>
       </p:sp>
       <p:sp>
         <p:nvSpPr>
-          <p:cNvPr id="4" name="Slide Number Placeholder 3">
-            <a:extLst>
-              <a:ext uri="{FF2B5EF4-FFF2-40B4-BE49-F238E27FC236}">
-                <a16:creationId xmlns:a16="http://schemas.microsoft.com/office/drawing/2014/main" id="{5F29CB03-BBA4-CADF-170C-218B40354F11}"/>
+          <p:cNvPr id="5" name="Footer Placeholder 4">
+            <a:extLst>
+              <a:ext uri="{FF2B5EF4-FFF2-40B4-BE49-F238E27FC236}">
+                <a16:creationId xmlns:a16="http://schemas.microsoft.com/office/drawing/2014/main" id="{C2FD2D9D-4091-E980-5916-7A06CCAE41AA}"/>
+              </a:ext>
+            </a:extLst>
+          </p:cNvPr>
+          <p:cNvSpPr>
+            <a:spLocks noGrp="1"/>
+          </p:cNvSpPr>
+          <p:nvPr>
+            <p:ph type="ftr" sz="quarter" idx="11"/>
+          </p:nvPr>
+        </p:nvSpPr>
+        <p:spPr/>
+        <p:txBody>
+          <a:bodyPr/>
+          <a:lstStyle/>
+          <a:p>
+            <a:pPr>
+              <a:defRPr/>
+            </a:pPr>
+            <a:r>
+              <a:rPr lang="en-US">
+                <a:solidFill>
+                  <a:prstClr val="black">
+                    <a:tint val="75000"/>
+                  </a:prstClr>
+                </a:solidFill>
+              </a:rPr>
+              <a:t>Presentation Title</a:t>
+            </a:r>
+            <a:endParaRPr lang="en-US" dirty="0">
+              <a:solidFill>
+                <a:prstClr val="black">
+                  <a:tint val="75000"/>
+                </a:prstClr>
+              </a:solidFill>
+            </a:endParaRPr>
+          </a:p>
+        </p:txBody>
+      </p:sp>
+      <p:sp>
+        <p:nvSpPr>
+          <p:cNvPr id="6" name="Slide Number Placeholder 5">
+            <a:extLst>
+              <a:ext uri="{FF2B5EF4-FFF2-40B4-BE49-F238E27FC236}">
+                <a16:creationId xmlns:a16="http://schemas.microsoft.com/office/drawing/2014/main" id="{7981904B-2468-5764-28E6-623B488EE3C6}"/>
               </a:ext>
             </a:extLst>
           </p:cNvPr>
@@ -16838,19 +17066,36 @@
           <a:bodyPr/>
           <a:lstStyle/>
           <a:p>
-            <a:fld id="{B6F15528-21DE-4FAA-801E-634DDDAF4B2B}" type="slidenum">
-              <a:rPr lang="en-US" smtClean="0"/>
-              <a:pPr/>
+            <a:pPr>
+              <a:defRPr/>
+            </a:pPr>
+            <a:fld id="{D76B855D-E9CC-4FF8-AD85-6CDC7B89A0DE}" type="slidenum">
+              <a:rPr lang="en-US" smtClean="0">
+                <a:solidFill>
+                  <a:prstClr val="black">
+                    <a:tint val="75000"/>
+                  </a:prstClr>
+                </a:solidFill>
+              </a:rPr>
+              <a:pPr>
+                <a:defRPr/>
+              </a:pPr>
               <a:t>12</a:t>
             </a:fld>
-            <a:endParaRPr lang="en-US"/>
+            <a:endParaRPr lang="en-US" dirty="0">
+              <a:solidFill>
+                <a:prstClr val="black">
+                  <a:tint val="75000"/>
+                </a:prstClr>
+              </a:solidFill>
+            </a:endParaRPr>
           </a:p>
         </p:txBody>
       </p:sp>
     </p:spTree>
     <p:extLst>
       <p:ext uri="{BB962C8B-B14F-4D97-AF65-F5344CB8AC3E}">
-        <p14:creationId xmlns:p14="http://schemas.microsoft.com/office/powerpoint/2010/main" val="2338733739"/>
+        <p14:creationId xmlns:p14="http://schemas.microsoft.com/office/powerpoint/2010/main" val="3800045641"/>
       </p:ext>
     </p:extLst>
   </p:cSld>
@@ -16882,7 +17127,7 @@
           <p:cNvPr id="2" name="Title 1">
             <a:extLst>
               <a:ext uri="{FF2B5EF4-FFF2-40B4-BE49-F238E27FC236}">
-                <a16:creationId xmlns:a16="http://schemas.microsoft.com/office/drawing/2014/main" id="{EABE8166-2E19-04AE-D883-B428B24BCBBB}"/>
+                <a16:creationId xmlns:a16="http://schemas.microsoft.com/office/drawing/2014/main" id="{77FAB688-795B-11E4-A8DB-0F168A197B02}"/>
               </a:ext>
             </a:extLst>
           </p:cNvPr>
@@ -16899,8 +17144,12 @@
           <a:lstStyle/>
           <a:p>
             <a:r>
+              <a:rPr lang="en-US"/>
+              <a:t>STX </a:t>
+            </a:r>
+            <a:r>
               <a:rPr lang="en-US" dirty="0"/>
-              <a:t>Clarity console functions</a:t>
+              <a:t>transfers</a:t>
             </a:r>
           </a:p>
         </p:txBody>
@@ -16910,7 +17159,7 @@
           <p:cNvPr id="3" name="Date Placeholder 2">
             <a:extLst>
               <a:ext uri="{FF2B5EF4-FFF2-40B4-BE49-F238E27FC236}">
-                <a16:creationId xmlns:a16="http://schemas.microsoft.com/office/drawing/2014/main" id="{15C2595D-595B-AD3C-5979-9499E466439F}"/>
+                <a16:creationId xmlns:a16="http://schemas.microsoft.com/office/drawing/2014/main" id="{E5A91808-2A3E-318E-0E1B-410F1CAAAA95}"/>
               </a:ext>
             </a:extLst>
           </p:cNvPr>
@@ -16954,7 +17203,7 @@
           <p:cNvPr id="4" name="Footer Placeholder 3">
             <a:extLst>
               <a:ext uri="{FF2B5EF4-FFF2-40B4-BE49-F238E27FC236}">
-                <a16:creationId xmlns:a16="http://schemas.microsoft.com/office/drawing/2014/main" id="{F083463F-0404-7C49-2C26-82AA6097562E}"/>
+                <a16:creationId xmlns:a16="http://schemas.microsoft.com/office/drawing/2014/main" id="{DB1E741E-A600-81D7-A200-510527361A02}"/>
               </a:ext>
             </a:extLst>
           </p:cNvPr>
@@ -16998,7 +17247,7 @@
           <p:cNvPr id="5" name="Slide Number Placeholder 4">
             <a:extLst>
               <a:ext uri="{FF2B5EF4-FFF2-40B4-BE49-F238E27FC236}">
-                <a16:creationId xmlns:a16="http://schemas.microsoft.com/office/drawing/2014/main" id="{0D8DF414-3E55-724D-BA5A-D0C03C5940F4}"/>
+                <a16:creationId xmlns:a16="http://schemas.microsoft.com/office/drawing/2014/main" id="{B695DE50-5ADC-30CE-477C-A2DC83EF3C87}"/>
               </a:ext>
             </a:extLst>
           </p:cNvPr>
@@ -17045,7 +17294,7 @@
           <p:cNvPr id="6" name="Content Placeholder 5">
             <a:extLst>
               <a:ext uri="{FF2B5EF4-FFF2-40B4-BE49-F238E27FC236}">
-                <a16:creationId xmlns:a16="http://schemas.microsoft.com/office/drawing/2014/main" id="{80E11D91-DD76-7523-3A6C-813BC2D18F6F}"/>
+                <a16:creationId xmlns:a16="http://schemas.microsoft.com/office/drawing/2014/main" id="{D9BBE092-D3A9-3540-936A-1D0BE9C357A3}"/>
               </a:ext>
             </a:extLst>
           </p:cNvPr>
@@ -17058,125 +17307,95 @@
         </p:nvSpPr>
         <p:spPr/>
         <p:txBody>
-          <a:bodyPr/>
+          <a:bodyPr>
+            <a:normAutofit/>
+          </a:bodyPr>
           <a:lstStyle/>
           <a:p>
             <a:pPr marL="0" indent="0">
               <a:buNone/>
             </a:pPr>
             <a:r>
-              <a:rPr lang="en-US" b="0" i="0" dirty="0">
-                <a:solidFill>
-                  <a:srgbClr val="000000"/>
-                </a:solidFill>
-                <a:effectLst/>
-                <a:latin typeface="Consolas" panose="020B0609020204030204" pitchFamily="49" charset="0"/>
-              </a:rPr>
-              <a:t>Change block height</a:t>
+              <a:rPr lang="en-US" dirty="0"/>
+              <a:t>(</a:t>
+            </a:r>
+            <a:r>
+              <a:rPr lang="en-US" dirty="0" err="1"/>
+              <a:t>stx</a:t>
+            </a:r>
+            <a:r>
+              <a:rPr lang="en-US" dirty="0"/>
+              <a:t>-get-balance &lt;principal&gt;)</a:t>
             </a:r>
           </a:p>
           <a:p>
             <a:pPr marL="0" indent="0">
               <a:buNone/>
             </a:pPr>
-            <a:endParaRPr lang="en-US" b="0" i="0" dirty="0">
-              <a:solidFill>
-                <a:srgbClr val="000000"/>
-              </a:solidFill>
-              <a:effectLst/>
-              <a:latin typeface="Consolas" panose="020B0609020204030204" pitchFamily="49" charset="0"/>
-            </a:endParaRPr>
+            <a:endParaRPr lang="en-US" dirty="0"/>
           </a:p>
           <a:p>
             <a:pPr marL="0" indent="0">
               <a:buNone/>
             </a:pPr>
-            <a:r>
-              <a:rPr lang="en-US" b="0" i="0" dirty="0">
-                <a:solidFill>
-                  <a:srgbClr val="000000"/>
-                </a:solidFill>
-                <a:effectLst/>
-                <a:latin typeface="Consolas" panose="020B0609020204030204" pitchFamily="49" charset="0"/>
-              </a:rPr>
-              <a:t>::</a:t>
-            </a:r>
-            <a:r>
-              <a:rPr lang="en-US" b="0" i="0" dirty="0" err="1">
-                <a:solidFill>
-                  <a:srgbClr val="000000"/>
-                </a:solidFill>
-                <a:effectLst/>
-                <a:latin typeface="Consolas" panose="020B0609020204030204" pitchFamily="49" charset="0"/>
-              </a:rPr>
-              <a:t>advance_chain_tip</a:t>
-            </a:r>
-            <a:r>
-              <a:rPr lang="en-US" b="0" i="0" dirty="0">
-                <a:solidFill>
-                  <a:srgbClr val="000000"/>
-                </a:solidFill>
-                <a:effectLst/>
-                <a:latin typeface="Consolas" panose="020B0609020204030204" pitchFamily="49" charset="0"/>
-              </a:rPr>
-              <a:t> </a:t>
-            </a:r>
-            <a:r>
-              <a:rPr lang="en-US" b="0" i="0" dirty="0">
-                <a:solidFill>
-                  <a:srgbClr val="990055"/>
-                </a:solidFill>
-                <a:effectLst/>
-                <a:latin typeface="Consolas" panose="020B0609020204030204" pitchFamily="49" charset="0"/>
-              </a:rPr>
-              <a:t>10</a:t>
-            </a:r>
+            <a:endParaRPr lang="en-US" dirty="0"/>
           </a:p>
           <a:p>
             <a:pPr marL="0" indent="0">
               <a:buNone/>
             </a:pPr>
-            <a:endParaRPr lang="en-US" dirty="0">
-              <a:solidFill>
-                <a:srgbClr val="990055"/>
-              </a:solidFill>
-              <a:latin typeface="Consolas" panose="020B0609020204030204" pitchFamily="49" charset="0"/>
-            </a:endParaRPr>
+            <a:r>
+              <a:rPr lang="en-US" dirty="0"/>
+              <a:t>(</a:t>
+            </a:r>
+            <a:r>
+              <a:rPr lang="en-US" dirty="0" err="1"/>
+              <a:t>stx</a:t>
+            </a:r>
+            <a:r>
+              <a:rPr lang="en-US" dirty="0"/>
+              <a:t>-transfer? </a:t>
+            </a:r>
           </a:p>
           <a:p>
             <a:pPr marL="0" indent="0">
               <a:buNone/>
             </a:pPr>
             <a:r>
-              <a:rPr lang="en-US" b="0" i="0" dirty="0">
-                <a:solidFill>
-                  <a:srgbClr val="000000"/>
-                </a:solidFill>
-                <a:effectLst/>
-                <a:latin typeface="Consolas" panose="020B0609020204030204" pitchFamily="49" charset="0"/>
-              </a:rPr>
-              <a:t>::</a:t>
-            </a:r>
-            <a:r>
-              <a:rPr lang="en-US" b="0" i="0" dirty="0" err="1">
-                <a:solidFill>
-                  <a:srgbClr val="000000"/>
-                </a:solidFill>
-                <a:effectLst/>
-                <a:latin typeface="Consolas" panose="020B0609020204030204" pitchFamily="49" charset="0"/>
-              </a:rPr>
-              <a:t>set_tx_sender</a:t>
-            </a:r>
-            <a:r>
-              <a:rPr lang="en-US" b="0" i="0" dirty="0">
-                <a:solidFill>
-                  <a:srgbClr val="000000"/>
-                </a:solidFill>
-                <a:effectLst/>
-                <a:latin typeface="Consolas" panose="020B0609020204030204" pitchFamily="49" charset="0"/>
-              </a:rPr>
-              <a:t> ST1J4G6R…</a:t>
-            </a:r>
+              <a:rPr lang="en-US" dirty="0"/>
+              <a:t>	(amount </a:t>
+            </a:r>
+            <a:r>
+              <a:rPr lang="en-US" dirty="0" err="1"/>
+              <a:t>uint</a:t>
+            </a:r>
+            <a:r>
+              <a:rPr lang="en-US" dirty="0"/>
+              <a:t>) </a:t>
+            </a:r>
+          </a:p>
+          <a:p>
+            <a:pPr marL="0" indent="0">
+              <a:buNone/>
+            </a:pPr>
+            <a:r>
+              <a:rPr lang="en-US" dirty="0"/>
+              <a:t>	(sender principal) </a:t>
+            </a:r>
+          </a:p>
+          <a:p>
+            <a:pPr marL="0" indent="0">
+              <a:buNone/>
+            </a:pPr>
+            <a:r>
+              <a:rPr lang="en-US" dirty="0"/>
+              <a:t>	(recipient principal))</a:t>
+            </a:r>
+          </a:p>
+          <a:p>
+            <a:pPr marL="0" indent="0">
+              <a:buNone/>
+            </a:pPr>
             <a:endParaRPr lang="en-US" dirty="0"/>
           </a:p>
         </p:txBody>
@@ -17184,7 +17403,7 @@
     </p:spTree>
     <p:extLst>
       <p:ext uri="{BB962C8B-B14F-4D97-AF65-F5344CB8AC3E}">
-        <p14:creationId xmlns:p14="http://schemas.microsoft.com/office/powerpoint/2010/main" val="1618625806"/>
+        <p14:creationId xmlns:p14="http://schemas.microsoft.com/office/powerpoint/2010/main" val="4282915683"/>
       </p:ext>
     </p:extLst>
   </p:cSld>
@@ -17195,6 +17414,332 @@
 </file>
 
 <file path=ppt/slides/slide14.xml><?xml version="1.0" encoding="utf-8"?>
+<p:sld xmlns:a="http://schemas.openxmlformats.org/drawingml/2006/main" xmlns:r="http://schemas.openxmlformats.org/officeDocument/2006/relationships" xmlns:p="http://schemas.openxmlformats.org/presentationml/2006/main">
+  <p:cSld>
+    <p:spTree>
+      <p:nvGrpSpPr>
+        <p:cNvPr id="1" name="">
+          <a:extLst>
+            <a:ext uri="{FF2B5EF4-FFF2-40B4-BE49-F238E27FC236}">
+              <a16:creationId xmlns:a16="http://schemas.microsoft.com/office/drawing/2014/main" id="{D2D1B1FE-CAF0-2A25-8F67-5A9918658727}"/>
+            </a:ext>
+          </a:extLst>
+        </p:cNvPr>
+        <p:cNvGrpSpPr/>
+        <p:nvPr/>
+      </p:nvGrpSpPr>
+      <p:grpSpPr>
+        <a:xfrm>
+          <a:off x="0" y="0"/>
+          <a:ext cx="0" cy="0"/>
+          <a:chOff x="0" y="0"/>
+          <a:chExt cx="0" cy="0"/>
+        </a:xfrm>
+      </p:grpSpPr>
+      <p:sp>
+        <p:nvSpPr>
+          <p:cNvPr id="2" name="Title 1">
+            <a:extLst>
+              <a:ext uri="{FF2B5EF4-FFF2-40B4-BE49-F238E27FC236}">
+                <a16:creationId xmlns:a16="http://schemas.microsoft.com/office/drawing/2014/main" id="{5C932D2C-8667-64D6-0677-259040614262}"/>
+              </a:ext>
+            </a:extLst>
+          </p:cNvPr>
+          <p:cNvSpPr>
+            <a:spLocks noGrp="1"/>
+          </p:cNvSpPr>
+          <p:nvPr>
+            <p:ph type="title"/>
+          </p:nvPr>
+        </p:nvSpPr>
+        <p:spPr/>
+        <p:txBody>
+          <a:bodyPr/>
+          <a:lstStyle/>
+          <a:p>
+            <a:r>
+              <a:rPr lang="en-US"/>
+              <a:t>STX </a:t>
+            </a:r>
+            <a:r>
+              <a:rPr lang="en-US" dirty="0"/>
+              <a:t>transfers</a:t>
+            </a:r>
+          </a:p>
+        </p:txBody>
+      </p:sp>
+      <p:sp>
+        <p:nvSpPr>
+          <p:cNvPr id="3" name="Date Placeholder 2">
+            <a:extLst>
+              <a:ext uri="{FF2B5EF4-FFF2-40B4-BE49-F238E27FC236}">
+                <a16:creationId xmlns:a16="http://schemas.microsoft.com/office/drawing/2014/main" id="{22894858-C8EF-FF5F-10BF-E9E819AD1261}"/>
+              </a:ext>
+            </a:extLst>
+          </p:cNvPr>
+          <p:cNvSpPr>
+            <a:spLocks noGrp="1"/>
+          </p:cNvSpPr>
+          <p:nvPr>
+            <p:ph type="dt" sz="half" idx="10"/>
+          </p:nvPr>
+        </p:nvSpPr>
+        <p:spPr/>
+        <p:txBody>
+          <a:bodyPr/>
+          <a:lstStyle/>
+          <a:p>
+            <a:pPr>
+              <a:defRPr/>
+            </a:pPr>
+            <a:r>
+              <a:rPr lang="en-US">
+                <a:solidFill>
+                  <a:prstClr val="black">
+                    <a:tint val="75000"/>
+                  </a:prstClr>
+                </a:solidFill>
+              </a:rPr>
+              <a:t>9/3/20XX</a:t>
+            </a:r>
+            <a:endParaRPr lang="en-US" dirty="0">
+              <a:solidFill>
+                <a:prstClr val="black">
+                  <a:tint val="75000"/>
+                </a:prstClr>
+              </a:solidFill>
+            </a:endParaRPr>
+          </a:p>
+        </p:txBody>
+      </p:sp>
+      <p:sp>
+        <p:nvSpPr>
+          <p:cNvPr id="4" name="Footer Placeholder 3">
+            <a:extLst>
+              <a:ext uri="{FF2B5EF4-FFF2-40B4-BE49-F238E27FC236}">
+                <a16:creationId xmlns:a16="http://schemas.microsoft.com/office/drawing/2014/main" id="{29987D5B-315F-0C87-31E9-6240309CB05D}"/>
+              </a:ext>
+            </a:extLst>
+          </p:cNvPr>
+          <p:cNvSpPr>
+            <a:spLocks noGrp="1"/>
+          </p:cNvSpPr>
+          <p:nvPr>
+            <p:ph type="ftr" sz="quarter" idx="11"/>
+          </p:nvPr>
+        </p:nvSpPr>
+        <p:spPr/>
+        <p:txBody>
+          <a:bodyPr/>
+          <a:lstStyle/>
+          <a:p>
+            <a:pPr>
+              <a:defRPr/>
+            </a:pPr>
+            <a:r>
+              <a:rPr lang="en-US">
+                <a:solidFill>
+                  <a:prstClr val="black">
+                    <a:tint val="75000"/>
+                  </a:prstClr>
+                </a:solidFill>
+              </a:rPr>
+              <a:t>Presentation Title</a:t>
+            </a:r>
+            <a:endParaRPr lang="en-US" dirty="0">
+              <a:solidFill>
+                <a:prstClr val="black">
+                  <a:tint val="75000"/>
+                </a:prstClr>
+              </a:solidFill>
+            </a:endParaRPr>
+          </a:p>
+        </p:txBody>
+      </p:sp>
+      <p:sp>
+        <p:nvSpPr>
+          <p:cNvPr id="5" name="Slide Number Placeholder 4">
+            <a:extLst>
+              <a:ext uri="{FF2B5EF4-FFF2-40B4-BE49-F238E27FC236}">
+                <a16:creationId xmlns:a16="http://schemas.microsoft.com/office/drawing/2014/main" id="{C986D774-D68E-596A-57CD-001C31B0ECAA}"/>
+              </a:ext>
+            </a:extLst>
+          </p:cNvPr>
+          <p:cNvSpPr>
+            <a:spLocks noGrp="1"/>
+          </p:cNvSpPr>
+          <p:nvPr>
+            <p:ph type="sldNum" sz="quarter" idx="12"/>
+          </p:nvPr>
+        </p:nvSpPr>
+        <p:spPr/>
+        <p:txBody>
+          <a:bodyPr/>
+          <a:lstStyle/>
+          <a:p>
+            <a:pPr>
+              <a:defRPr/>
+            </a:pPr>
+            <a:fld id="{D76B855D-E9CC-4FF8-AD85-6CDC7B89A0DE}" type="slidenum">
+              <a:rPr lang="en-US" smtClean="0">
+                <a:solidFill>
+                  <a:prstClr val="black">
+                    <a:tint val="75000"/>
+                  </a:prstClr>
+                </a:solidFill>
+              </a:rPr>
+              <a:pPr>
+                <a:defRPr/>
+              </a:pPr>
+              <a:t>14</a:t>
+            </a:fld>
+            <a:endParaRPr lang="en-US" dirty="0">
+              <a:solidFill>
+                <a:prstClr val="black">
+                  <a:tint val="75000"/>
+                </a:prstClr>
+              </a:solidFill>
+            </a:endParaRPr>
+          </a:p>
+        </p:txBody>
+      </p:sp>
+      <p:sp>
+        <p:nvSpPr>
+          <p:cNvPr id="6" name="Content Placeholder 5">
+            <a:extLst>
+              <a:ext uri="{FF2B5EF4-FFF2-40B4-BE49-F238E27FC236}">
+                <a16:creationId xmlns:a16="http://schemas.microsoft.com/office/drawing/2014/main" id="{212D5E6B-BA29-1CA8-4741-A74A37584A12}"/>
+              </a:ext>
+            </a:extLst>
+          </p:cNvPr>
+          <p:cNvSpPr>
+            <a:spLocks noGrp="1"/>
+          </p:cNvSpPr>
+          <p:nvPr>
+            <p:ph idx="1"/>
+          </p:nvPr>
+        </p:nvSpPr>
+        <p:spPr/>
+        <p:txBody>
+          <a:bodyPr>
+            <a:normAutofit fontScale="92500"/>
+          </a:bodyPr>
+          <a:lstStyle/>
+          <a:p>
+            <a:pPr marL="0" indent="0">
+              <a:buNone/>
+            </a:pPr>
+            <a:r>
+              <a:rPr lang="en-US" dirty="0">
+                <a:hlinkClick r:id="rId2"/>
+              </a:rPr>
+              <a:t>https://github.com/clarity-lang/reference/blob/master/reference.md</a:t>
+            </a:r>
+            <a:r>
+              <a:rPr lang="en-US" dirty="0"/>
+              <a:t> </a:t>
+            </a:r>
+          </a:p>
+          <a:p>
+            <a:pPr marL="0" indent="0">
+              <a:buNone/>
+            </a:pPr>
+            <a:endParaRPr lang="en-US" dirty="0"/>
+          </a:p>
+          <a:p>
+            <a:pPr marL="0" indent="0">
+              <a:buNone/>
+            </a:pPr>
+            <a:r>
+              <a:rPr lang="en-US" dirty="0"/>
+              <a:t>(define-public (transfer-if-even </a:t>
+            </a:r>
+          </a:p>
+          <a:p>
+            <a:pPr marL="0" indent="0">
+              <a:buNone/>
+            </a:pPr>
+            <a:r>
+              <a:rPr lang="en-US" dirty="0"/>
+              <a:t>                               (recipient principal) </a:t>
+            </a:r>
+          </a:p>
+          <a:p>
+            <a:pPr marL="0" indent="0">
+              <a:buNone/>
+            </a:pPr>
+            <a:r>
+              <a:rPr lang="en-US" dirty="0"/>
+              <a:t>                              (amount </a:t>
+            </a:r>
+            <a:r>
+              <a:rPr lang="en-US" dirty="0" err="1"/>
+              <a:t>uint</a:t>
+            </a:r>
+            <a:r>
+              <a:rPr lang="en-US" dirty="0"/>
+              <a:t>))</a:t>
+            </a:r>
+          </a:p>
+          <a:p>
+            <a:pPr marL="0" indent="0">
+              <a:buNone/>
+            </a:pPr>
+            <a:r>
+              <a:rPr lang="en-US" dirty="0"/>
+              <a:t>  (if (is-eq (mod amount u2) u0)</a:t>
+            </a:r>
+          </a:p>
+          <a:p>
+            <a:pPr marL="0" indent="0">
+              <a:buNone/>
+            </a:pPr>
+            <a:r>
+              <a:rPr lang="en-US" dirty="0"/>
+              <a:t>      (</a:t>
+            </a:r>
+            <a:r>
+              <a:rPr lang="en-US" dirty="0" err="1"/>
+              <a:t>stx</a:t>
+            </a:r>
+            <a:r>
+              <a:rPr lang="en-US" dirty="0"/>
+              <a:t>-transfer? amount  </a:t>
+            </a:r>
+            <a:r>
+              <a:rPr lang="en-US" dirty="0" err="1"/>
+              <a:t>tx</a:t>
+            </a:r>
+            <a:r>
+              <a:rPr lang="en-US" dirty="0"/>
+              <a:t>-sender  recipient)</a:t>
+            </a:r>
+          </a:p>
+          <a:p>
+            <a:pPr marL="0" indent="0">
+              <a:buNone/>
+            </a:pPr>
+            <a:r>
+              <a:rPr lang="en-US" dirty="0"/>
+              <a:t>      (err u400)))</a:t>
+            </a:r>
+          </a:p>
+        </p:txBody>
+      </p:sp>
+    </p:spTree>
+    <p:extLst>
+      <p:ext uri="{BB962C8B-B14F-4D97-AF65-F5344CB8AC3E}">
+        <p14:creationId xmlns:p14="http://schemas.microsoft.com/office/powerpoint/2010/main" val="2551933313"/>
+      </p:ext>
+    </p:extLst>
+  </p:cSld>
+  <p:clrMapOvr>
+    <a:masterClrMapping/>
+  </p:clrMapOvr>
+</p:sld>
+</file>
+
+<file path=ppt/slides/slide15.xml><?xml version="1.0" encoding="utf-8"?>
 <p:sld xmlns:a="http://schemas.openxmlformats.org/drawingml/2006/main" xmlns:r="http://schemas.openxmlformats.org/officeDocument/2006/relationships" xmlns:p="http://schemas.openxmlformats.org/presentationml/2006/main">
   <p:cSld>
     <p:spTree>
@@ -17216,7 +17761,7 @@
           <p:cNvPr id="2" name="Title 1">
             <a:extLst>
               <a:ext uri="{FF2B5EF4-FFF2-40B4-BE49-F238E27FC236}">
-                <a16:creationId xmlns:a16="http://schemas.microsoft.com/office/drawing/2014/main" id="{998D0E95-A174-D70B-09A5-6480C9CC3F88}"/>
+                <a16:creationId xmlns:a16="http://schemas.microsoft.com/office/drawing/2014/main" id="{72913B4B-E2D0-D7DE-C70B-BC1B784BA77D}"/>
               </a:ext>
             </a:extLst>
           </p:cNvPr>
@@ -17233,8 +17778,278 @@
           <a:lstStyle/>
           <a:p>
             <a:r>
+              <a:rPr lang="en-US" sz="3267" dirty="0">
+                <a:cs typeface="Calibri Light"/>
+              </a:rPr>
+              <a:t>Clarity maps</a:t>
+            </a:r>
+            <a:endParaRPr lang="en-US" dirty="0"/>
+          </a:p>
+        </p:txBody>
+      </p:sp>
+      <p:sp>
+        <p:nvSpPr>
+          <p:cNvPr id="3" name="Content Placeholder 2">
+            <a:extLst>
+              <a:ext uri="{FF2B5EF4-FFF2-40B4-BE49-F238E27FC236}">
+                <a16:creationId xmlns:a16="http://schemas.microsoft.com/office/drawing/2014/main" id="{D02B708F-33B4-1067-DA5F-B19B5B810EE2}"/>
+              </a:ext>
+            </a:extLst>
+          </p:cNvPr>
+          <p:cNvSpPr>
+            <a:spLocks noGrp="1"/>
+          </p:cNvSpPr>
+          <p:nvPr>
+            <p:ph idx="1"/>
+          </p:nvPr>
+        </p:nvSpPr>
+        <p:spPr/>
+        <p:txBody>
+          <a:bodyPr vert="horz" lIns="121920" tIns="60960" rIns="121920" bIns="60960" rtlCol="0" anchor="t">
+            <a:normAutofit/>
+          </a:bodyPr>
+          <a:lstStyle/>
+          <a:p>
+            <a:pPr marL="171022" indent="-171022">
+              <a:buNone/>
+            </a:pPr>
+            <a:r>
+              <a:rPr lang="en-US" sz="2067" dirty="0">
+                <a:ea typeface="+mn-lt"/>
+                <a:cs typeface="+mn-lt"/>
+              </a:rPr>
+              <a:t>;; constants</a:t>
+            </a:r>
+            <a:endParaRPr lang="en-US" dirty="0">
+              <a:cs typeface="Calibri" panose="020F0502020204030204"/>
+            </a:endParaRPr>
+          </a:p>
+          <a:p>
+            <a:pPr marL="171022" indent="-171022">
+              <a:buNone/>
+            </a:pPr>
+            <a:r>
+              <a:rPr lang="en-US" sz="2067" dirty="0">
+                <a:ea typeface="+mn-lt"/>
+                <a:cs typeface="+mn-lt"/>
+              </a:rPr>
+              <a:t>;;</a:t>
+            </a:r>
+            <a:endParaRPr lang="en-US" dirty="0">
+              <a:cs typeface="Calibri" panose="020F0502020204030204"/>
+            </a:endParaRPr>
+          </a:p>
+          <a:p>
+            <a:pPr marL="171022" indent="-171022">
+              <a:buNone/>
+            </a:pPr>
+            <a:r>
+              <a:rPr lang="en-US" sz="2067" dirty="0">
+                <a:ea typeface="+mn-lt"/>
+                <a:cs typeface="+mn-lt"/>
+              </a:rPr>
+              <a:t>(define-constant contract-owner </a:t>
+            </a:r>
+            <a:r>
+              <a:rPr lang="en-US" sz="2067" dirty="0" err="1">
+                <a:ea typeface="+mn-lt"/>
+                <a:cs typeface="+mn-lt"/>
+              </a:rPr>
+              <a:t>tx</a:t>
+            </a:r>
+            <a:r>
+              <a:rPr lang="en-US" sz="2067" dirty="0">
+                <a:ea typeface="+mn-lt"/>
+                <a:cs typeface="+mn-lt"/>
+              </a:rPr>
+              <a:t>-sender)</a:t>
+            </a:r>
+            <a:endParaRPr lang="en-US" dirty="0">
+              <a:cs typeface="Calibri" panose="020F0502020204030204"/>
+            </a:endParaRPr>
+          </a:p>
+          <a:p>
+            <a:pPr marL="0" indent="0">
+              <a:buNone/>
+            </a:pPr>
+            <a:r>
+              <a:rPr lang="en-US" sz="2067" dirty="0">
+                <a:ea typeface="+mn-lt"/>
+                <a:cs typeface="+mn-lt"/>
+              </a:rPr>
+              <a:t>(define-constant err-invalid-caller (err u1))</a:t>
+            </a:r>
+          </a:p>
+          <a:p>
+            <a:pPr marL="0" indent="0">
+              <a:buNone/>
+            </a:pPr>
+            <a:endParaRPr lang="en-US" sz="2067" dirty="0">
+              <a:cs typeface="Calibri"/>
+            </a:endParaRPr>
+          </a:p>
+          <a:p>
+            <a:pPr marL="171022" indent="-171022">
+              <a:buNone/>
+            </a:pPr>
+            <a:r>
+              <a:rPr lang="en-US" sz="2067" dirty="0">
+                <a:ea typeface="+mn-lt"/>
+                <a:cs typeface="+mn-lt"/>
+              </a:rPr>
+              <a:t>;; data maps</a:t>
+            </a:r>
+            <a:endParaRPr lang="en-US" dirty="0">
+              <a:cs typeface="Calibri" panose="020F0502020204030204"/>
+            </a:endParaRPr>
+          </a:p>
+          <a:p>
+            <a:pPr marL="171022" indent="-171022">
+              <a:buNone/>
+            </a:pPr>
+            <a:r>
+              <a:rPr lang="en-US" sz="2067" dirty="0">
+                <a:ea typeface="+mn-lt"/>
+                <a:cs typeface="+mn-lt"/>
+              </a:rPr>
+              <a:t>;;</a:t>
+            </a:r>
+            <a:endParaRPr lang="en-US" dirty="0">
+              <a:cs typeface="Calibri" panose="020F0502020204030204"/>
+            </a:endParaRPr>
+          </a:p>
+          <a:p>
+            <a:pPr marL="0" indent="0">
+              <a:buNone/>
+            </a:pPr>
+            <a:r>
+              <a:rPr lang="en-US" sz="2067" dirty="0">
+                <a:ea typeface="+mn-lt"/>
+                <a:cs typeface="+mn-lt"/>
+              </a:rPr>
+              <a:t>(define-map recipients principal </a:t>
+            </a:r>
+            <a:r>
+              <a:rPr lang="en-US" sz="2067" dirty="0" err="1">
+                <a:ea typeface="+mn-lt"/>
+                <a:cs typeface="+mn-lt"/>
+              </a:rPr>
+              <a:t>uint</a:t>
+            </a:r>
+            <a:r>
+              <a:rPr lang="en-US" sz="2067" dirty="0">
+                <a:ea typeface="+mn-lt"/>
+                <a:cs typeface="+mn-lt"/>
+              </a:rPr>
+              <a:t>)</a:t>
+            </a:r>
+            <a:endParaRPr lang="en-US" dirty="0">
+              <a:ea typeface="+mn-lt"/>
+              <a:cs typeface="+mn-lt"/>
+            </a:endParaRPr>
+          </a:p>
+          <a:p>
+            <a:pPr marL="0" indent="0">
+              <a:buNone/>
+            </a:pPr>
+            <a:endParaRPr lang="en-US" sz="2067" dirty="0">
+              <a:cs typeface="Calibri"/>
+            </a:endParaRPr>
+          </a:p>
+          <a:p>
+            <a:pPr marL="0" indent="0">
+              <a:buNone/>
+            </a:pPr>
+            <a:endParaRPr lang="en-US" sz="2067" dirty="0">
+              <a:cs typeface="Calibri"/>
+            </a:endParaRPr>
+          </a:p>
+        </p:txBody>
+      </p:sp>
+      <p:sp>
+        <p:nvSpPr>
+          <p:cNvPr id="4" name="Slide Number Placeholder 3">
+            <a:extLst>
+              <a:ext uri="{FF2B5EF4-FFF2-40B4-BE49-F238E27FC236}">
+                <a16:creationId xmlns:a16="http://schemas.microsoft.com/office/drawing/2014/main" id="{5F29CB03-BBA4-CADF-170C-218B40354F11}"/>
+              </a:ext>
+            </a:extLst>
+          </p:cNvPr>
+          <p:cNvSpPr>
+            <a:spLocks noGrp="1"/>
+          </p:cNvSpPr>
+          <p:nvPr>
+            <p:ph type="sldNum" sz="quarter" idx="12"/>
+          </p:nvPr>
+        </p:nvSpPr>
+        <p:spPr/>
+        <p:txBody>
+          <a:bodyPr/>
+          <a:lstStyle/>
+          <a:p>
+            <a:fld id="{B6F15528-21DE-4FAA-801E-634DDDAF4B2B}" type="slidenum">
+              <a:rPr lang="en-US" smtClean="0"/>
+              <a:pPr/>
+              <a:t>15</a:t>
+            </a:fld>
+            <a:endParaRPr lang="en-US"/>
+          </a:p>
+        </p:txBody>
+      </p:sp>
+    </p:spTree>
+    <p:extLst>
+      <p:ext uri="{BB962C8B-B14F-4D97-AF65-F5344CB8AC3E}">
+        <p14:creationId xmlns:p14="http://schemas.microsoft.com/office/powerpoint/2010/main" val="2338733739"/>
+      </p:ext>
+    </p:extLst>
+  </p:cSld>
+  <p:clrMapOvr>
+    <a:masterClrMapping/>
+  </p:clrMapOvr>
+</p:sld>
+</file>
+
+<file path=ppt/slides/slide16.xml><?xml version="1.0" encoding="utf-8"?>
+<p:sld xmlns:a="http://schemas.openxmlformats.org/drawingml/2006/main" xmlns:r="http://schemas.openxmlformats.org/officeDocument/2006/relationships" xmlns:p="http://schemas.openxmlformats.org/presentationml/2006/main">
+  <p:cSld>
+    <p:spTree>
+      <p:nvGrpSpPr>
+        <p:cNvPr id="1" name=""/>
+        <p:cNvGrpSpPr/>
+        <p:nvPr/>
+      </p:nvGrpSpPr>
+      <p:grpSpPr>
+        <a:xfrm>
+          <a:off x="0" y="0"/>
+          <a:ext cx="0" cy="0"/>
+          <a:chOff x="0" y="0"/>
+          <a:chExt cx="0" cy="0"/>
+        </a:xfrm>
+      </p:grpSpPr>
+      <p:sp>
+        <p:nvSpPr>
+          <p:cNvPr id="2" name="Title 1">
+            <a:extLst>
+              <a:ext uri="{FF2B5EF4-FFF2-40B4-BE49-F238E27FC236}">
+                <a16:creationId xmlns:a16="http://schemas.microsoft.com/office/drawing/2014/main" id="{EABE8166-2E19-04AE-D883-B428B24BCBBB}"/>
+              </a:ext>
+            </a:extLst>
+          </p:cNvPr>
+          <p:cNvSpPr>
+            <a:spLocks noGrp="1"/>
+          </p:cNvSpPr>
+          <p:nvPr>
+            <p:ph type="title"/>
+          </p:nvPr>
+        </p:nvSpPr>
+        <p:spPr/>
+        <p:txBody>
+          <a:bodyPr/>
+          <a:lstStyle/>
+          <a:p>
+            <a:r>
               <a:rPr lang="en-US" dirty="0"/>
-              <a:t>Errors</a:t>
+              <a:t>Clarity console functions</a:t>
             </a:r>
           </a:p>
         </p:txBody>
@@ -17244,7 +18059,7 @@
           <p:cNvPr id="3" name="Date Placeholder 2">
             <a:extLst>
               <a:ext uri="{FF2B5EF4-FFF2-40B4-BE49-F238E27FC236}">
-                <a16:creationId xmlns:a16="http://schemas.microsoft.com/office/drawing/2014/main" id="{4689D3E6-492C-A1F3-E6AA-FC3E706260B6}"/>
+                <a16:creationId xmlns:a16="http://schemas.microsoft.com/office/drawing/2014/main" id="{15C2595D-595B-AD3C-5979-9499E466439F}"/>
               </a:ext>
             </a:extLst>
           </p:cNvPr>
@@ -17288,7 +18103,7 @@
           <p:cNvPr id="4" name="Footer Placeholder 3">
             <a:extLst>
               <a:ext uri="{FF2B5EF4-FFF2-40B4-BE49-F238E27FC236}">
-                <a16:creationId xmlns:a16="http://schemas.microsoft.com/office/drawing/2014/main" id="{52937743-51A6-ACD6-3F78-54727CE4EE38}"/>
+                <a16:creationId xmlns:a16="http://schemas.microsoft.com/office/drawing/2014/main" id="{F083463F-0404-7C49-2C26-82AA6097562E}"/>
               </a:ext>
             </a:extLst>
           </p:cNvPr>
@@ -17332,7 +18147,7 @@
           <p:cNvPr id="5" name="Slide Number Placeholder 4">
             <a:extLst>
               <a:ext uri="{FF2B5EF4-FFF2-40B4-BE49-F238E27FC236}">
-                <a16:creationId xmlns:a16="http://schemas.microsoft.com/office/drawing/2014/main" id="{74AE816B-B93A-C682-9F3F-568E1F3C4732}"/>
+                <a16:creationId xmlns:a16="http://schemas.microsoft.com/office/drawing/2014/main" id="{0D8DF414-3E55-724D-BA5A-D0C03C5940F4}"/>
               </a:ext>
             </a:extLst>
           </p:cNvPr>
@@ -17362,7 +18177,341 @@
               <a:pPr>
                 <a:defRPr/>
               </a:pPr>
-              <a:t>14</a:t>
+              <a:t>16</a:t>
+            </a:fld>
+            <a:endParaRPr lang="en-US" dirty="0">
+              <a:solidFill>
+                <a:prstClr val="black">
+                  <a:tint val="75000"/>
+                </a:prstClr>
+              </a:solidFill>
+            </a:endParaRPr>
+          </a:p>
+        </p:txBody>
+      </p:sp>
+      <p:sp>
+        <p:nvSpPr>
+          <p:cNvPr id="6" name="Content Placeholder 5">
+            <a:extLst>
+              <a:ext uri="{FF2B5EF4-FFF2-40B4-BE49-F238E27FC236}">
+                <a16:creationId xmlns:a16="http://schemas.microsoft.com/office/drawing/2014/main" id="{80E11D91-DD76-7523-3A6C-813BC2D18F6F}"/>
+              </a:ext>
+            </a:extLst>
+          </p:cNvPr>
+          <p:cNvSpPr>
+            <a:spLocks noGrp="1"/>
+          </p:cNvSpPr>
+          <p:nvPr>
+            <p:ph idx="1"/>
+          </p:nvPr>
+        </p:nvSpPr>
+        <p:spPr/>
+        <p:txBody>
+          <a:bodyPr/>
+          <a:lstStyle/>
+          <a:p>
+            <a:pPr marL="0" indent="0">
+              <a:buNone/>
+            </a:pPr>
+            <a:r>
+              <a:rPr lang="en-US" b="0" i="0" dirty="0">
+                <a:solidFill>
+                  <a:srgbClr val="000000"/>
+                </a:solidFill>
+                <a:effectLst/>
+                <a:latin typeface="Consolas" panose="020B0609020204030204" pitchFamily="49" charset="0"/>
+              </a:rPr>
+              <a:t>Change block height</a:t>
+            </a:r>
+          </a:p>
+          <a:p>
+            <a:pPr marL="0" indent="0">
+              <a:buNone/>
+            </a:pPr>
+            <a:endParaRPr lang="en-US" b="0" i="0" dirty="0">
+              <a:solidFill>
+                <a:srgbClr val="000000"/>
+              </a:solidFill>
+              <a:effectLst/>
+              <a:latin typeface="Consolas" panose="020B0609020204030204" pitchFamily="49" charset="0"/>
+            </a:endParaRPr>
+          </a:p>
+          <a:p>
+            <a:pPr marL="0" indent="0">
+              <a:buNone/>
+            </a:pPr>
+            <a:r>
+              <a:rPr lang="en-US" b="0" i="0" dirty="0">
+                <a:solidFill>
+                  <a:srgbClr val="000000"/>
+                </a:solidFill>
+                <a:effectLst/>
+                <a:latin typeface="Consolas" panose="020B0609020204030204" pitchFamily="49" charset="0"/>
+              </a:rPr>
+              <a:t>::</a:t>
+            </a:r>
+            <a:r>
+              <a:rPr lang="en-US" b="0" i="0" dirty="0" err="1">
+                <a:solidFill>
+                  <a:srgbClr val="000000"/>
+                </a:solidFill>
+                <a:effectLst/>
+                <a:latin typeface="Consolas" panose="020B0609020204030204" pitchFamily="49" charset="0"/>
+              </a:rPr>
+              <a:t>advance_chain_tip</a:t>
+            </a:r>
+            <a:r>
+              <a:rPr lang="en-US" b="0" i="0" dirty="0">
+                <a:solidFill>
+                  <a:srgbClr val="000000"/>
+                </a:solidFill>
+                <a:effectLst/>
+                <a:latin typeface="Consolas" panose="020B0609020204030204" pitchFamily="49" charset="0"/>
+              </a:rPr>
+              <a:t> </a:t>
+            </a:r>
+            <a:r>
+              <a:rPr lang="en-US" b="0" i="0" dirty="0">
+                <a:solidFill>
+                  <a:srgbClr val="990055"/>
+                </a:solidFill>
+                <a:effectLst/>
+                <a:latin typeface="Consolas" panose="020B0609020204030204" pitchFamily="49" charset="0"/>
+              </a:rPr>
+              <a:t>10</a:t>
+            </a:r>
+          </a:p>
+          <a:p>
+            <a:pPr marL="0" indent="0">
+              <a:buNone/>
+            </a:pPr>
+            <a:endParaRPr lang="en-US" dirty="0">
+              <a:solidFill>
+                <a:srgbClr val="990055"/>
+              </a:solidFill>
+              <a:latin typeface="Consolas" panose="020B0609020204030204" pitchFamily="49" charset="0"/>
+            </a:endParaRPr>
+          </a:p>
+          <a:p>
+            <a:pPr marL="0" indent="0">
+              <a:buNone/>
+            </a:pPr>
+            <a:r>
+              <a:rPr lang="en-US" b="0" i="0" dirty="0">
+                <a:solidFill>
+                  <a:srgbClr val="000000"/>
+                </a:solidFill>
+                <a:effectLst/>
+                <a:latin typeface="Consolas" panose="020B0609020204030204" pitchFamily="49" charset="0"/>
+              </a:rPr>
+              <a:t>::</a:t>
+            </a:r>
+            <a:r>
+              <a:rPr lang="en-US" b="0" i="0" dirty="0" err="1">
+                <a:solidFill>
+                  <a:srgbClr val="000000"/>
+                </a:solidFill>
+                <a:effectLst/>
+                <a:latin typeface="Consolas" panose="020B0609020204030204" pitchFamily="49" charset="0"/>
+              </a:rPr>
+              <a:t>set_tx_sender</a:t>
+            </a:r>
+            <a:r>
+              <a:rPr lang="en-US" b="0" i="0" dirty="0">
+                <a:solidFill>
+                  <a:srgbClr val="000000"/>
+                </a:solidFill>
+                <a:effectLst/>
+                <a:latin typeface="Consolas" panose="020B0609020204030204" pitchFamily="49" charset="0"/>
+              </a:rPr>
+              <a:t> ST1J4G6R…</a:t>
+            </a:r>
+            <a:endParaRPr lang="en-US" dirty="0"/>
+          </a:p>
+        </p:txBody>
+      </p:sp>
+    </p:spTree>
+    <p:extLst>
+      <p:ext uri="{BB962C8B-B14F-4D97-AF65-F5344CB8AC3E}">
+        <p14:creationId xmlns:p14="http://schemas.microsoft.com/office/powerpoint/2010/main" val="1618625806"/>
+      </p:ext>
+    </p:extLst>
+  </p:cSld>
+  <p:clrMapOvr>
+    <a:masterClrMapping/>
+  </p:clrMapOvr>
+</p:sld>
+</file>
+
+<file path=ppt/slides/slide17.xml><?xml version="1.0" encoding="utf-8"?>
+<p:sld xmlns:a="http://schemas.openxmlformats.org/drawingml/2006/main" xmlns:r="http://schemas.openxmlformats.org/officeDocument/2006/relationships" xmlns:p="http://schemas.openxmlformats.org/presentationml/2006/main">
+  <p:cSld>
+    <p:spTree>
+      <p:nvGrpSpPr>
+        <p:cNvPr id="1" name=""/>
+        <p:cNvGrpSpPr/>
+        <p:nvPr/>
+      </p:nvGrpSpPr>
+      <p:grpSpPr>
+        <a:xfrm>
+          <a:off x="0" y="0"/>
+          <a:ext cx="0" cy="0"/>
+          <a:chOff x="0" y="0"/>
+          <a:chExt cx="0" cy="0"/>
+        </a:xfrm>
+      </p:grpSpPr>
+      <p:sp>
+        <p:nvSpPr>
+          <p:cNvPr id="2" name="Title 1">
+            <a:extLst>
+              <a:ext uri="{FF2B5EF4-FFF2-40B4-BE49-F238E27FC236}">
+                <a16:creationId xmlns:a16="http://schemas.microsoft.com/office/drawing/2014/main" id="{998D0E95-A174-D70B-09A5-6480C9CC3F88}"/>
+              </a:ext>
+            </a:extLst>
+          </p:cNvPr>
+          <p:cNvSpPr>
+            <a:spLocks noGrp="1"/>
+          </p:cNvSpPr>
+          <p:nvPr>
+            <p:ph type="title"/>
+          </p:nvPr>
+        </p:nvSpPr>
+        <p:spPr/>
+        <p:txBody>
+          <a:bodyPr/>
+          <a:lstStyle/>
+          <a:p>
+            <a:r>
+              <a:rPr lang="en-US" dirty="0"/>
+              <a:t>Errors</a:t>
+            </a:r>
+          </a:p>
+        </p:txBody>
+      </p:sp>
+      <p:sp>
+        <p:nvSpPr>
+          <p:cNvPr id="3" name="Date Placeholder 2">
+            <a:extLst>
+              <a:ext uri="{FF2B5EF4-FFF2-40B4-BE49-F238E27FC236}">
+                <a16:creationId xmlns:a16="http://schemas.microsoft.com/office/drawing/2014/main" id="{4689D3E6-492C-A1F3-E6AA-FC3E706260B6}"/>
+              </a:ext>
+            </a:extLst>
+          </p:cNvPr>
+          <p:cNvSpPr>
+            <a:spLocks noGrp="1"/>
+          </p:cNvSpPr>
+          <p:nvPr>
+            <p:ph type="dt" sz="half" idx="10"/>
+          </p:nvPr>
+        </p:nvSpPr>
+        <p:spPr/>
+        <p:txBody>
+          <a:bodyPr/>
+          <a:lstStyle/>
+          <a:p>
+            <a:pPr>
+              <a:defRPr/>
+            </a:pPr>
+            <a:r>
+              <a:rPr lang="en-US">
+                <a:solidFill>
+                  <a:prstClr val="black">
+                    <a:tint val="75000"/>
+                  </a:prstClr>
+                </a:solidFill>
+              </a:rPr>
+              <a:t>9/3/20XX</a:t>
+            </a:r>
+            <a:endParaRPr lang="en-US" dirty="0">
+              <a:solidFill>
+                <a:prstClr val="black">
+                  <a:tint val="75000"/>
+                </a:prstClr>
+              </a:solidFill>
+            </a:endParaRPr>
+          </a:p>
+        </p:txBody>
+      </p:sp>
+      <p:sp>
+        <p:nvSpPr>
+          <p:cNvPr id="4" name="Footer Placeholder 3">
+            <a:extLst>
+              <a:ext uri="{FF2B5EF4-FFF2-40B4-BE49-F238E27FC236}">
+                <a16:creationId xmlns:a16="http://schemas.microsoft.com/office/drawing/2014/main" id="{52937743-51A6-ACD6-3F78-54727CE4EE38}"/>
+              </a:ext>
+            </a:extLst>
+          </p:cNvPr>
+          <p:cNvSpPr>
+            <a:spLocks noGrp="1"/>
+          </p:cNvSpPr>
+          <p:nvPr>
+            <p:ph type="ftr" sz="quarter" idx="11"/>
+          </p:nvPr>
+        </p:nvSpPr>
+        <p:spPr/>
+        <p:txBody>
+          <a:bodyPr/>
+          <a:lstStyle/>
+          <a:p>
+            <a:pPr>
+              <a:defRPr/>
+            </a:pPr>
+            <a:r>
+              <a:rPr lang="en-US">
+                <a:solidFill>
+                  <a:prstClr val="black">
+                    <a:tint val="75000"/>
+                  </a:prstClr>
+                </a:solidFill>
+              </a:rPr>
+              <a:t>Presentation Title</a:t>
+            </a:r>
+            <a:endParaRPr lang="en-US" dirty="0">
+              <a:solidFill>
+                <a:prstClr val="black">
+                  <a:tint val="75000"/>
+                </a:prstClr>
+              </a:solidFill>
+            </a:endParaRPr>
+          </a:p>
+        </p:txBody>
+      </p:sp>
+      <p:sp>
+        <p:nvSpPr>
+          <p:cNvPr id="5" name="Slide Number Placeholder 4">
+            <a:extLst>
+              <a:ext uri="{FF2B5EF4-FFF2-40B4-BE49-F238E27FC236}">
+                <a16:creationId xmlns:a16="http://schemas.microsoft.com/office/drawing/2014/main" id="{74AE816B-B93A-C682-9F3F-568E1F3C4732}"/>
+              </a:ext>
+            </a:extLst>
+          </p:cNvPr>
+          <p:cNvSpPr>
+            <a:spLocks noGrp="1"/>
+          </p:cNvSpPr>
+          <p:nvPr>
+            <p:ph type="sldNum" sz="quarter" idx="12"/>
+          </p:nvPr>
+        </p:nvSpPr>
+        <p:spPr/>
+        <p:txBody>
+          <a:bodyPr/>
+          <a:lstStyle/>
+          <a:p>
+            <a:pPr>
+              <a:defRPr/>
+            </a:pPr>
+            <a:fld id="{D76B855D-E9CC-4FF8-AD85-6CDC7B89A0DE}" type="slidenum">
+              <a:rPr lang="en-US" smtClean="0">
+                <a:solidFill>
+                  <a:prstClr val="black">
+                    <a:tint val="75000"/>
+                  </a:prstClr>
+                </a:solidFill>
+              </a:rPr>
+              <a:pPr>
+                <a:defRPr/>
+              </a:pPr>
+              <a:t>17</a:t>
             </a:fld>
             <a:endParaRPr lang="en-US" dirty="0">
               <a:solidFill>
@@ -17417,7 +18566,7 @@
 </p:sld>
 </file>
 
-<file path=ppt/slides/slide15.xml><?xml version="1.0" encoding="utf-8"?>
+<file path=ppt/slides/slide18.xml><?xml version="1.0" encoding="utf-8"?>
 <p:sld xmlns:a="http://schemas.openxmlformats.org/drawingml/2006/main" xmlns:r="http://schemas.openxmlformats.org/officeDocument/2006/relationships" xmlns:p="http://schemas.openxmlformats.org/presentationml/2006/main">
   <p:cSld>
     <p:spTree>
@@ -17590,7 +18739,7 @@
               <a:pPr>
                 <a:defRPr/>
               </a:pPr>
-              <a:t>15</a:t>
+              <a:t>18</a:t>
             </a:fld>
             <a:endParaRPr lang="en-US" dirty="0">
               <a:solidFill>
@@ -17645,7 +18794,7 @@
 </p:sld>
 </file>
 
-<file path=ppt/slides/slide16.xml><?xml version="1.0" encoding="utf-8"?>
+<file path=ppt/slides/slide19.xml><?xml version="1.0" encoding="utf-8"?>
 <p:sld xmlns:a="http://schemas.openxmlformats.org/drawingml/2006/main" xmlns:r="http://schemas.openxmlformats.org/officeDocument/2006/relationships" xmlns:p="http://schemas.openxmlformats.org/presentationml/2006/main">
   <p:cSld>
     <p:spTree>
@@ -17813,7 +18962,7 @@
               <a:pPr>
                 <a:defRPr/>
               </a:pPr>
-              <a:t>16</a:t>
+              <a:t>19</a:t>
             </a:fld>
             <a:endParaRPr lang="en-US" dirty="0">
               <a:solidFill>
@@ -17859,228 +19008,6 @@
     <p:extLst>
       <p:ext uri="{BB962C8B-B14F-4D97-AF65-F5344CB8AC3E}">
         <p14:creationId xmlns:p14="http://schemas.microsoft.com/office/powerpoint/2010/main" val="2443213162"/>
-      </p:ext>
-    </p:extLst>
-  </p:cSld>
-  <p:clrMapOvr>
-    <a:masterClrMapping/>
-  </p:clrMapOvr>
-</p:sld>
-</file>
-
-<file path=ppt/slides/slide17.xml><?xml version="1.0" encoding="utf-8"?>
-<p:sld xmlns:a="http://schemas.openxmlformats.org/drawingml/2006/main" xmlns:r="http://schemas.openxmlformats.org/officeDocument/2006/relationships" xmlns:p="http://schemas.openxmlformats.org/presentationml/2006/main">
-  <p:cSld>
-    <p:spTree>
-      <p:nvGrpSpPr>
-        <p:cNvPr id="1" name=""/>
-        <p:cNvGrpSpPr/>
-        <p:nvPr/>
-      </p:nvGrpSpPr>
-      <p:grpSpPr>
-        <a:xfrm>
-          <a:off x="0" y="0"/>
-          <a:ext cx="0" cy="0"/>
-          <a:chOff x="0" y="0"/>
-          <a:chExt cx="0" cy="0"/>
-        </a:xfrm>
-      </p:grpSpPr>
-      <p:sp>
-        <p:nvSpPr>
-          <p:cNvPr id="2" name="Title 1">
-            <a:extLst>
-              <a:ext uri="{FF2B5EF4-FFF2-40B4-BE49-F238E27FC236}">
-                <a16:creationId xmlns:a16="http://schemas.microsoft.com/office/drawing/2014/main" id="{FFE418BF-C50A-8433-0738-E1CDD9458422}"/>
-              </a:ext>
-            </a:extLst>
-          </p:cNvPr>
-          <p:cNvSpPr>
-            <a:spLocks noGrp="1"/>
-          </p:cNvSpPr>
-          <p:nvPr>
-            <p:ph type="title"/>
-          </p:nvPr>
-        </p:nvSpPr>
-        <p:spPr/>
-        <p:txBody>
-          <a:bodyPr/>
-          <a:lstStyle/>
-          <a:p>
-            <a:r>
-              <a:rPr lang="en-US" dirty="0"/>
-              <a:t>Claim</a:t>
-            </a:r>
-          </a:p>
-        </p:txBody>
-      </p:sp>
-      <p:sp>
-        <p:nvSpPr>
-          <p:cNvPr id="3" name="Date Placeholder 2">
-            <a:extLst>
-              <a:ext uri="{FF2B5EF4-FFF2-40B4-BE49-F238E27FC236}">
-                <a16:creationId xmlns:a16="http://schemas.microsoft.com/office/drawing/2014/main" id="{0D57FF93-83CF-AB41-7F54-258CFBE00DE6}"/>
-              </a:ext>
-            </a:extLst>
-          </p:cNvPr>
-          <p:cNvSpPr>
-            <a:spLocks noGrp="1"/>
-          </p:cNvSpPr>
-          <p:nvPr>
-            <p:ph type="dt" sz="half" idx="10"/>
-          </p:nvPr>
-        </p:nvSpPr>
-        <p:spPr/>
-        <p:txBody>
-          <a:bodyPr/>
-          <a:lstStyle/>
-          <a:p>
-            <a:pPr>
-              <a:defRPr/>
-            </a:pPr>
-            <a:r>
-              <a:rPr lang="en-US">
-                <a:solidFill>
-                  <a:prstClr val="black">
-                    <a:tint val="75000"/>
-                  </a:prstClr>
-                </a:solidFill>
-              </a:rPr>
-              <a:t>9/3/20XX</a:t>
-            </a:r>
-            <a:endParaRPr lang="en-US" dirty="0">
-              <a:solidFill>
-                <a:prstClr val="black">
-                  <a:tint val="75000"/>
-                </a:prstClr>
-              </a:solidFill>
-            </a:endParaRPr>
-          </a:p>
-        </p:txBody>
-      </p:sp>
-      <p:sp>
-        <p:nvSpPr>
-          <p:cNvPr id="4" name="Footer Placeholder 3">
-            <a:extLst>
-              <a:ext uri="{FF2B5EF4-FFF2-40B4-BE49-F238E27FC236}">
-                <a16:creationId xmlns:a16="http://schemas.microsoft.com/office/drawing/2014/main" id="{53F3645E-7162-5916-9353-38508FC921D6}"/>
-              </a:ext>
-            </a:extLst>
-          </p:cNvPr>
-          <p:cNvSpPr>
-            <a:spLocks noGrp="1"/>
-          </p:cNvSpPr>
-          <p:nvPr>
-            <p:ph type="ftr" sz="quarter" idx="11"/>
-          </p:nvPr>
-        </p:nvSpPr>
-        <p:spPr/>
-        <p:txBody>
-          <a:bodyPr/>
-          <a:lstStyle/>
-          <a:p>
-            <a:pPr>
-              <a:defRPr/>
-            </a:pPr>
-            <a:r>
-              <a:rPr lang="en-US">
-                <a:solidFill>
-                  <a:prstClr val="black">
-                    <a:tint val="75000"/>
-                  </a:prstClr>
-                </a:solidFill>
-              </a:rPr>
-              <a:t>Presentation Title</a:t>
-            </a:r>
-            <a:endParaRPr lang="en-US" dirty="0">
-              <a:solidFill>
-                <a:prstClr val="black">
-                  <a:tint val="75000"/>
-                </a:prstClr>
-              </a:solidFill>
-            </a:endParaRPr>
-          </a:p>
-        </p:txBody>
-      </p:sp>
-      <p:sp>
-        <p:nvSpPr>
-          <p:cNvPr id="5" name="Slide Number Placeholder 4">
-            <a:extLst>
-              <a:ext uri="{FF2B5EF4-FFF2-40B4-BE49-F238E27FC236}">
-                <a16:creationId xmlns:a16="http://schemas.microsoft.com/office/drawing/2014/main" id="{9FC04ECE-5008-BC55-5EFD-B33AB67F6DCA}"/>
-              </a:ext>
-            </a:extLst>
-          </p:cNvPr>
-          <p:cNvSpPr>
-            <a:spLocks noGrp="1"/>
-          </p:cNvSpPr>
-          <p:nvPr>
-            <p:ph type="sldNum" sz="quarter" idx="12"/>
-          </p:nvPr>
-        </p:nvSpPr>
-        <p:spPr/>
-        <p:txBody>
-          <a:bodyPr/>
-          <a:lstStyle/>
-          <a:p>
-            <a:pPr>
-              <a:defRPr/>
-            </a:pPr>
-            <a:fld id="{D76B855D-E9CC-4FF8-AD85-6CDC7B89A0DE}" type="slidenum">
-              <a:rPr lang="en-US" smtClean="0">
-                <a:solidFill>
-                  <a:prstClr val="black">
-                    <a:tint val="75000"/>
-                  </a:prstClr>
-                </a:solidFill>
-              </a:rPr>
-              <a:pPr>
-                <a:defRPr/>
-              </a:pPr>
-              <a:t>17</a:t>
-            </a:fld>
-            <a:endParaRPr lang="en-US" dirty="0">
-              <a:solidFill>
-                <a:prstClr val="black">
-                  <a:tint val="75000"/>
-                </a:prstClr>
-              </a:solidFill>
-            </a:endParaRPr>
-          </a:p>
-        </p:txBody>
-      </p:sp>
-      <p:pic>
-        <p:nvPicPr>
-          <p:cNvPr id="8" name="Content Placeholder 7">
-            <a:extLst>
-              <a:ext uri="{FF2B5EF4-FFF2-40B4-BE49-F238E27FC236}">
-                <a16:creationId xmlns:a16="http://schemas.microsoft.com/office/drawing/2014/main" id="{40CA67B1-C0E3-F766-2308-CBAA03EC0231}"/>
-              </a:ext>
-            </a:extLst>
-          </p:cNvPr>
-          <p:cNvPicPr>
-            <a:picLocks noGrp="1" noChangeAspect="1"/>
-          </p:cNvPicPr>
-          <p:nvPr>
-            <p:ph idx="1"/>
-          </p:nvPr>
-        </p:nvPicPr>
-        <p:blipFill>
-          <a:blip r:embed="rId2"/>
-          <a:stretch>
-            <a:fillRect/>
-          </a:stretch>
-        </p:blipFill>
-        <p:spPr>
-          <a:xfrm>
-            <a:off x="1428042" y="2600334"/>
-            <a:ext cx="8964746" cy="3210530"/>
-          </a:xfrm>
-        </p:spPr>
-      </p:pic>
-    </p:spTree>
-    <p:extLst>
-      <p:ext uri="{BB962C8B-B14F-4D97-AF65-F5344CB8AC3E}">
-        <p14:creationId xmlns:p14="http://schemas.microsoft.com/office/powerpoint/2010/main" val="835981746"/>
       </p:ext>
     </p:extLst>
   </p:cSld>
@@ -18623,6 +19550,228 @@
     <p:extLst>
       <p:ext uri="{BB962C8B-B14F-4D97-AF65-F5344CB8AC3E}">
         <p14:creationId xmlns:p14="http://schemas.microsoft.com/office/powerpoint/2010/main" val="55160260"/>
+      </p:ext>
+    </p:extLst>
+  </p:cSld>
+  <p:clrMapOvr>
+    <a:masterClrMapping/>
+  </p:clrMapOvr>
+</p:sld>
+</file>
+
+<file path=ppt/slides/slide20.xml><?xml version="1.0" encoding="utf-8"?>
+<p:sld xmlns:a="http://schemas.openxmlformats.org/drawingml/2006/main" xmlns:r="http://schemas.openxmlformats.org/officeDocument/2006/relationships" xmlns:p="http://schemas.openxmlformats.org/presentationml/2006/main">
+  <p:cSld>
+    <p:spTree>
+      <p:nvGrpSpPr>
+        <p:cNvPr id="1" name=""/>
+        <p:cNvGrpSpPr/>
+        <p:nvPr/>
+      </p:nvGrpSpPr>
+      <p:grpSpPr>
+        <a:xfrm>
+          <a:off x="0" y="0"/>
+          <a:ext cx="0" cy="0"/>
+          <a:chOff x="0" y="0"/>
+          <a:chExt cx="0" cy="0"/>
+        </a:xfrm>
+      </p:grpSpPr>
+      <p:sp>
+        <p:nvSpPr>
+          <p:cNvPr id="2" name="Title 1">
+            <a:extLst>
+              <a:ext uri="{FF2B5EF4-FFF2-40B4-BE49-F238E27FC236}">
+                <a16:creationId xmlns:a16="http://schemas.microsoft.com/office/drawing/2014/main" id="{FFE418BF-C50A-8433-0738-E1CDD9458422}"/>
+              </a:ext>
+            </a:extLst>
+          </p:cNvPr>
+          <p:cNvSpPr>
+            <a:spLocks noGrp="1"/>
+          </p:cNvSpPr>
+          <p:nvPr>
+            <p:ph type="title"/>
+          </p:nvPr>
+        </p:nvSpPr>
+        <p:spPr/>
+        <p:txBody>
+          <a:bodyPr/>
+          <a:lstStyle/>
+          <a:p>
+            <a:r>
+              <a:rPr lang="en-US" dirty="0"/>
+              <a:t>Claim</a:t>
+            </a:r>
+          </a:p>
+        </p:txBody>
+      </p:sp>
+      <p:sp>
+        <p:nvSpPr>
+          <p:cNvPr id="3" name="Date Placeholder 2">
+            <a:extLst>
+              <a:ext uri="{FF2B5EF4-FFF2-40B4-BE49-F238E27FC236}">
+                <a16:creationId xmlns:a16="http://schemas.microsoft.com/office/drawing/2014/main" id="{0D57FF93-83CF-AB41-7F54-258CFBE00DE6}"/>
+              </a:ext>
+            </a:extLst>
+          </p:cNvPr>
+          <p:cNvSpPr>
+            <a:spLocks noGrp="1"/>
+          </p:cNvSpPr>
+          <p:nvPr>
+            <p:ph type="dt" sz="half" idx="10"/>
+          </p:nvPr>
+        </p:nvSpPr>
+        <p:spPr/>
+        <p:txBody>
+          <a:bodyPr/>
+          <a:lstStyle/>
+          <a:p>
+            <a:pPr>
+              <a:defRPr/>
+            </a:pPr>
+            <a:r>
+              <a:rPr lang="en-US">
+                <a:solidFill>
+                  <a:prstClr val="black">
+                    <a:tint val="75000"/>
+                  </a:prstClr>
+                </a:solidFill>
+              </a:rPr>
+              <a:t>9/3/20XX</a:t>
+            </a:r>
+            <a:endParaRPr lang="en-US" dirty="0">
+              <a:solidFill>
+                <a:prstClr val="black">
+                  <a:tint val="75000"/>
+                </a:prstClr>
+              </a:solidFill>
+            </a:endParaRPr>
+          </a:p>
+        </p:txBody>
+      </p:sp>
+      <p:sp>
+        <p:nvSpPr>
+          <p:cNvPr id="4" name="Footer Placeholder 3">
+            <a:extLst>
+              <a:ext uri="{FF2B5EF4-FFF2-40B4-BE49-F238E27FC236}">
+                <a16:creationId xmlns:a16="http://schemas.microsoft.com/office/drawing/2014/main" id="{53F3645E-7162-5916-9353-38508FC921D6}"/>
+              </a:ext>
+            </a:extLst>
+          </p:cNvPr>
+          <p:cNvSpPr>
+            <a:spLocks noGrp="1"/>
+          </p:cNvSpPr>
+          <p:nvPr>
+            <p:ph type="ftr" sz="quarter" idx="11"/>
+          </p:nvPr>
+        </p:nvSpPr>
+        <p:spPr/>
+        <p:txBody>
+          <a:bodyPr/>
+          <a:lstStyle/>
+          <a:p>
+            <a:pPr>
+              <a:defRPr/>
+            </a:pPr>
+            <a:r>
+              <a:rPr lang="en-US">
+                <a:solidFill>
+                  <a:prstClr val="black">
+                    <a:tint val="75000"/>
+                  </a:prstClr>
+                </a:solidFill>
+              </a:rPr>
+              <a:t>Presentation Title</a:t>
+            </a:r>
+            <a:endParaRPr lang="en-US" dirty="0">
+              <a:solidFill>
+                <a:prstClr val="black">
+                  <a:tint val="75000"/>
+                </a:prstClr>
+              </a:solidFill>
+            </a:endParaRPr>
+          </a:p>
+        </p:txBody>
+      </p:sp>
+      <p:sp>
+        <p:nvSpPr>
+          <p:cNvPr id="5" name="Slide Number Placeholder 4">
+            <a:extLst>
+              <a:ext uri="{FF2B5EF4-FFF2-40B4-BE49-F238E27FC236}">
+                <a16:creationId xmlns:a16="http://schemas.microsoft.com/office/drawing/2014/main" id="{9FC04ECE-5008-BC55-5EFD-B33AB67F6DCA}"/>
+              </a:ext>
+            </a:extLst>
+          </p:cNvPr>
+          <p:cNvSpPr>
+            <a:spLocks noGrp="1"/>
+          </p:cNvSpPr>
+          <p:nvPr>
+            <p:ph type="sldNum" sz="quarter" idx="12"/>
+          </p:nvPr>
+        </p:nvSpPr>
+        <p:spPr/>
+        <p:txBody>
+          <a:bodyPr/>
+          <a:lstStyle/>
+          <a:p>
+            <a:pPr>
+              <a:defRPr/>
+            </a:pPr>
+            <a:fld id="{D76B855D-E9CC-4FF8-AD85-6CDC7B89A0DE}" type="slidenum">
+              <a:rPr lang="en-US" smtClean="0">
+                <a:solidFill>
+                  <a:prstClr val="black">
+                    <a:tint val="75000"/>
+                  </a:prstClr>
+                </a:solidFill>
+              </a:rPr>
+              <a:pPr>
+                <a:defRPr/>
+              </a:pPr>
+              <a:t>20</a:t>
+            </a:fld>
+            <a:endParaRPr lang="en-US" dirty="0">
+              <a:solidFill>
+                <a:prstClr val="black">
+                  <a:tint val="75000"/>
+                </a:prstClr>
+              </a:solidFill>
+            </a:endParaRPr>
+          </a:p>
+        </p:txBody>
+      </p:sp>
+      <p:pic>
+        <p:nvPicPr>
+          <p:cNvPr id="8" name="Content Placeholder 7">
+            <a:extLst>
+              <a:ext uri="{FF2B5EF4-FFF2-40B4-BE49-F238E27FC236}">
+                <a16:creationId xmlns:a16="http://schemas.microsoft.com/office/drawing/2014/main" id="{40CA67B1-C0E3-F766-2308-CBAA03EC0231}"/>
+              </a:ext>
+            </a:extLst>
+          </p:cNvPr>
+          <p:cNvPicPr>
+            <a:picLocks noGrp="1" noChangeAspect="1"/>
+          </p:cNvPicPr>
+          <p:nvPr>
+            <p:ph idx="1"/>
+          </p:nvPr>
+        </p:nvPicPr>
+        <p:blipFill>
+          <a:blip r:embed="rId2"/>
+          <a:stretch>
+            <a:fillRect/>
+          </a:stretch>
+        </p:blipFill>
+        <p:spPr>
+          <a:xfrm>
+            <a:off x="1428042" y="2600334"/>
+            <a:ext cx="8964746" cy="3210530"/>
+          </a:xfrm>
+        </p:spPr>
+      </p:pic>
+    </p:spTree>
+    <p:extLst>
+      <p:ext uri="{BB962C8B-B14F-4D97-AF65-F5344CB8AC3E}">
+        <p14:creationId xmlns:p14="http://schemas.microsoft.com/office/powerpoint/2010/main" val="835981746"/>
       </p:ext>
     </p:extLst>
   </p:cSld>
@@ -22492,6 +23641,24 @@
 </file>
 
 <file path=customXml/item1.xml><?xml version="1.0" encoding="utf-8"?>
+<?mso-contentType ?>
+<FormTemplates xmlns="http://schemas.microsoft.com/sharepoint/v3/contenttype/forms">
+  <Display>DocumentLibraryForm</Display>
+  <Edit>DocumentLibraryForm</Edit>
+  <New>DocumentLibraryForm</New>
+</FormTemplates>
+</file>
+
+<file path=customXml/item2.xml><?xml version="1.0" encoding="utf-8"?>
+<p:properties xmlns:p="http://schemas.microsoft.com/office/2006/metadata/properties" xmlns:xsi="http://www.w3.org/2001/XMLSchema-instance" xmlns:pc="http://schemas.microsoft.com/office/infopath/2007/PartnerControls">
+  <documentManagement>
+    <MediaServiceKeyPoints xmlns="4fe3d20b-a07a-4c9a-bffb-7d845be05fd8" xsi:nil="true"/>
+    <_activity xmlns="4fe3d20b-a07a-4c9a-bffb-7d845be05fd8" xsi:nil="true"/>
+  </documentManagement>
+</p:properties>
+</file>
+
+<file path=customXml/item3.xml><?xml version="1.0" encoding="utf-8"?>
 <ct:contentTypeSchema xmlns:ct="http://schemas.microsoft.com/office/2006/metadata/contentType" xmlns:ma="http://schemas.microsoft.com/office/2006/metadata/properties/metaAttributes" ct:_="" ma:_="" ma:contentTypeName="Document" ma:contentTypeID="0x01010081536BDC192B6C4F81C96BF422C1FE42" ma:contentTypeVersion="16" ma:contentTypeDescription="Create a new document." ma:contentTypeScope="" ma:versionID="e61114f851d23e5147559605f015f271">
   <xsd:schema xmlns:xsd="http://www.w3.org/2001/XMLSchema" xmlns:xs="http://www.w3.org/2001/XMLSchema" xmlns:p="http://schemas.microsoft.com/office/2006/metadata/properties" xmlns:ns3="d29cdd0d-72e7-4351-868a-19765b075a7c" xmlns:ns4="4fe3d20b-a07a-4c9a-bffb-7d845be05fd8" targetNamespace="http://schemas.microsoft.com/office/2006/metadata/properties" ma:root="true" ma:fieldsID="03256859e1c856a1f96f5704a116d110" ns3:_="" ns4:_="">
     <xsd:import namespace="d29cdd0d-72e7-4351-868a-19765b075a7c"/>
@@ -22732,39 +23899,10 @@
 </ct:contentTypeSchema>
 </file>
 
-<file path=customXml/item2.xml><?xml version="1.0" encoding="utf-8"?>
-<p:properties xmlns:p="http://schemas.microsoft.com/office/2006/metadata/properties" xmlns:xsi="http://www.w3.org/2001/XMLSchema-instance" xmlns:pc="http://schemas.microsoft.com/office/infopath/2007/PartnerControls">
-  <documentManagement>
-    <MediaServiceKeyPoints xmlns="4fe3d20b-a07a-4c9a-bffb-7d845be05fd8" xsi:nil="true"/>
-    <_activity xmlns="4fe3d20b-a07a-4c9a-bffb-7d845be05fd8" xsi:nil="true"/>
-  </documentManagement>
-</p:properties>
-</file>
-
-<file path=customXml/item3.xml><?xml version="1.0" encoding="utf-8"?>
-<?mso-contentType ?>
-<FormTemplates xmlns="http://schemas.microsoft.com/sharepoint/v3/contenttype/forms">
-  <Display>DocumentLibraryForm</Display>
-  <Edit>DocumentLibraryForm</Edit>
-  <New>DocumentLibraryForm</New>
-</FormTemplates>
-</file>
-
 <file path=customXml/itemProps1.xml><?xml version="1.0" encoding="utf-8"?>
-<ds:datastoreItem xmlns:ds="http://schemas.openxmlformats.org/officeDocument/2006/customXml" ds:itemID="{3C8220CD-795F-4E6E-A0D5-AC84C71568AE}">
+<ds:datastoreItem xmlns:ds="http://schemas.openxmlformats.org/officeDocument/2006/customXml" ds:itemID="{1A449C04-64B3-4403-94B7-8D2284C38D1B}">
   <ds:schemaRefs>
-    <ds:schemaRef ds:uri="http://schemas.microsoft.com/office/2006/metadata/contentType"/>
-    <ds:schemaRef ds:uri="http://schemas.microsoft.com/office/2006/metadata/properties/metaAttributes"/>
-    <ds:schemaRef ds:uri="http://www.w3.org/2001/XMLSchema"/>
-    <ds:schemaRef ds:uri="http://schemas.microsoft.com/office/2006/metadata/properties"/>
-    <ds:schemaRef ds:uri="d29cdd0d-72e7-4351-868a-19765b075a7c"/>
-    <ds:schemaRef ds:uri="4fe3d20b-a07a-4c9a-bffb-7d845be05fd8"/>
-    <ds:schemaRef ds:uri="http://schemas.microsoft.com/office/2006/documentManagement/types"/>
-    <ds:schemaRef ds:uri="http://schemas.microsoft.com/office/infopath/2007/PartnerControls"/>
-    <ds:schemaRef ds:uri="http://schemas.openxmlformats.org/package/2006/metadata/core-properties"/>
-    <ds:schemaRef ds:uri="http://purl.org/dc/elements/1.1/"/>
-    <ds:schemaRef ds:uri="http://purl.org/dc/terms/"/>
-    <ds:schemaRef ds:uri="http://schemas.microsoft.com/internal/obd"/>
+    <ds:schemaRef ds:uri="http://schemas.microsoft.com/sharepoint/v3/contenttype/forms"/>
   </ds:schemaRefs>
 </ds:datastoreItem>
 </file>
@@ -22787,9 +23925,20 @@
 </file>
 
 <file path=customXml/itemProps3.xml><?xml version="1.0" encoding="utf-8"?>
-<ds:datastoreItem xmlns:ds="http://schemas.openxmlformats.org/officeDocument/2006/customXml" ds:itemID="{1A449C04-64B3-4403-94B7-8D2284C38D1B}">
+<ds:datastoreItem xmlns:ds="http://schemas.openxmlformats.org/officeDocument/2006/customXml" ds:itemID="{3C8220CD-795F-4E6E-A0D5-AC84C71568AE}">
   <ds:schemaRefs>
-    <ds:schemaRef ds:uri="http://schemas.microsoft.com/sharepoint/v3/contenttype/forms"/>
+    <ds:schemaRef ds:uri="http://schemas.microsoft.com/office/2006/metadata/contentType"/>
+    <ds:schemaRef ds:uri="http://schemas.microsoft.com/office/2006/metadata/properties/metaAttributes"/>
+    <ds:schemaRef ds:uri="http://www.w3.org/2001/XMLSchema"/>
+    <ds:schemaRef ds:uri="http://schemas.microsoft.com/office/2006/metadata/properties"/>
+    <ds:schemaRef ds:uri="d29cdd0d-72e7-4351-868a-19765b075a7c"/>
+    <ds:schemaRef ds:uri="4fe3d20b-a07a-4c9a-bffb-7d845be05fd8"/>
+    <ds:schemaRef ds:uri="http://schemas.microsoft.com/office/2006/documentManagement/types"/>
+    <ds:schemaRef ds:uri="http://schemas.microsoft.com/office/infopath/2007/PartnerControls"/>
+    <ds:schemaRef ds:uri="http://schemas.openxmlformats.org/package/2006/metadata/core-properties"/>
+    <ds:schemaRef ds:uri="http://purl.org/dc/elements/1.1/"/>
+    <ds:schemaRef ds:uri="http://purl.org/dc/terms/"/>
+    <ds:schemaRef ds:uri="http://schemas.microsoft.com/internal/obd"/>
   </ds:schemaRefs>
 </ds:datastoreItem>
 </file>